--- a/flask_project_docx/bookshop.pptx
+++ b/flask_project_docx/bookshop.pptx
@@ -6,17 +6,20 @@
   </p:sldMasterIdLst>
   <p:sldIdLst>
     <p:sldId id="256" r:id="rId2"/>
-    <p:sldId id="257" r:id="rId3"/>
-    <p:sldId id="259" r:id="rId4"/>
-    <p:sldId id="260" r:id="rId5"/>
-    <p:sldId id="261" r:id="rId6"/>
-    <p:sldId id="262" r:id="rId7"/>
-    <p:sldId id="268" r:id="rId8"/>
-    <p:sldId id="263" r:id="rId9"/>
-    <p:sldId id="264" r:id="rId10"/>
-    <p:sldId id="267" r:id="rId11"/>
-    <p:sldId id="265" r:id="rId12"/>
-    <p:sldId id="266" r:id="rId13"/>
+    <p:sldId id="272" r:id="rId3"/>
+    <p:sldId id="257" r:id="rId4"/>
+    <p:sldId id="259" r:id="rId5"/>
+    <p:sldId id="260" r:id="rId6"/>
+    <p:sldId id="261" r:id="rId7"/>
+    <p:sldId id="262" r:id="rId8"/>
+    <p:sldId id="268" r:id="rId9"/>
+    <p:sldId id="263" r:id="rId10"/>
+    <p:sldId id="264" r:id="rId11"/>
+    <p:sldId id="269" r:id="rId12"/>
+    <p:sldId id="267" r:id="rId13"/>
+    <p:sldId id="265" r:id="rId14"/>
+    <p:sldId id="270" r:id="rId15"/>
+    <p:sldId id="271" r:id="rId16"/>
   </p:sldIdLst>
   <p:sldSz cx="12192000" cy="6858000"/>
   <p:notesSz cx="6858000" cy="9144000"/>
@@ -115,6 +118,37 @@
       </a:defRPr>
     </a:lvl9pPr>
   </p:defaultTextStyle>
+  <p:extLst>
+    <p:ext uri="{521415D9-36F7-43E2-AB2F-B90AF26B5E84}">
+      <p14:sectionLst xmlns:p14="http://schemas.microsoft.com/office/powerpoint/2010/main">
+        <p14:section name="Раздел по умолчанию" id="{0544F3AB-1C70-4DAB-ACDF-0CE7970F5D13}">
+          <p14:sldIdLst>
+            <p14:sldId id="256"/>
+            <p14:sldId id="272"/>
+            <p14:sldId id="257"/>
+            <p14:sldId id="259"/>
+            <p14:sldId id="260"/>
+            <p14:sldId id="261"/>
+            <p14:sldId id="262"/>
+            <p14:sldId id="268"/>
+            <p14:sldId id="263"/>
+            <p14:sldId id="264"/>
+            <p14:sldId id="269"/>
+            <p14:sldId id="267"/>
+            <p14:sldId id="265"/>
+            <p14:sldId id="270"/>
+            <p14:sldId id="271"/>
+          </p14:sldIdLst>
+        </p14:section>
+        <p14:section name="Раздел без заголовка" id="{5927151E-2F89-4BB3-A8FD-2619053FBC4B}">
+          <p14:sldIdLst/>
+        </p14:section>
+      </p14:sectionLst>
+    </p:ext>
+    <p:ext uri="{EFAFB233-063F-42B5-8137-9DF3F51BA10A}">
+      <p15:sldGuideLst xmlns:p15="http://schemas.microsoft.com/office/powerpoint/2012/main"/>
+    </p:ext>
+  </p:extLst>
 </p:presentation>
 </file>
 
@@ -840,7 +874,7 @@
           <a:p>
             <a:fld id="{977E7D0C-D7FB-4D2C-848F-5020BD84B159}" type="datetimeFigureOut">
               <a:rPr lang="en-US" smtClean="0"/>
-              <a:t>4/10/2023</a:t>
+              <a:t>4/20/2023</a:t>
             </a:fld>
             <a:endParaRPr lang="en-US"/>
           </a:p>
@@ -1091,7 +1125,7 @@
           <a:p>
             <a:fld id="{977E7D0C-D7FB-4D2C-848F-5020BD84B159}" type="datetimeFigureOut">
               <a:rPr lang="en-US" smtClean="0"/>
-              <a:t>4/10/2023</a:t>
+              <a:t>4/20/2023</a:t>
             </a:fld>
             <a:endParaRPr lang="en-US"/>
           </a:p>
@@ -1405,7 +1439,7 @@
           <a:p>
             <a:fld id="{977E7D0C-D7FB-4D2C-848F-5020BD84B159}" type="datetimeFigureOut">
               <a:rPr lang="en-US" smtClean="0"/>
-              <a:t>4/10/2023</a:t>
+              <a:t>4/20/2023</a:t>
             </a:fld>
             <a:endParaRPr lang="en-US"/>
           </a:p>
@@ -1746,7 +1780,7 @@
           <a:p>
             <a:fld id="{977E7D0C-D7FB-4D2C-848F-5020BD84B159}" type="datetimeFigureOut">
               <a:rPr lang="en-US" smtClean="0"/>
-              <a:t>4/10/2023</a:t>
+              <a:t>4/20/2023</a:t>
             </a:fld>
             <a:endParaRPr lang="en-US"/>
           </a:p>
@@ -2060,7 +2094,7 @@
           <a:p>
             <a:fld id="{977E7D0C-D7FB-4D2C-848F-5020BD84B159}" type="datetimeFigureOut">
               <a:rPr lang="en-US" smtClean="0"/>
-              <a:t>4/10/2023</a:t>
+              <a:t>4/20/2023</a:t>
             </a:fld>
             <a:endParaRPr lang="en-US"/>
           </a:p>
@@ -2453,7 +2487,7 @@
           <a:p>
             <a:fld id="{977E7D0C-D7FB-4D2C-848F-5020BD84B159}" type="datetimeFigureOut">
               <a:rPr lang="en-US" smtClean="0"/>
-              <a:t>4/10/2023</a:t>
+              <a:t>4/20/2023</a:t>
             </a:fld>
             <a:endParaRPr lang="en-US"/>
           </a:p>
@@ -2623,7 +2657,7 @@
           <a:p>
             <a:fld id="{977E7D0C-D7FB-4D2C-848F-5020BD84B159}" type="datetimeFigureOut">
               <a:rPr lang="en-US" smtClean="0"/>
-              <a:t>4/10/2023</a:t>
+              <a:t>4/20/2023</a:t>
             </a:fld>
             <a:endParaRPr lang="en-US"/>
           </a:p>
@@ -2803,7 +2837,7 @@
           <a:p>
             <a:fld id="{977E7D0C-D7FB-4D2C-848F-5020BD84B159}" type="datetimeFigureOut">
               <a:rPr lang="en-US" smtClean="0"/>
-              <a:t>4/10/2023</a:t>
+              <a:t>4/20/2023</a:t>
             </a:fld>
             <a:endParaRPr lang="en-US"/>
           </a:p>
@@ -2979,7 +3013,7 @@
           <a:p>
             <a:fld id="{977E7D0C-D7FB-4D2C-848F-5020BD84B159}" type="datetimeFigureOut">
               <a:rPr lang="en-US" smtClean="0"/>
-              <a:t>4/10/2023</a:t>
+              <a:t>4/20/2023</a:t>
             </a:fld>
             <a:endParaRPr lang="en-US"/>
           </a:p>
@@ -3226,7 +3260,7 @@
           <a:p>
             <a:fld id="{977E7D0C-D7FB-4D2C-848F-5020BD84B159}" type="datetimeFigureOut">
               <a:rPr lang="en-US" smtClean="0"/>
-              <a:t>4/10/2023</a:t>
+              <a:t>4/20/2023</a:t>
             </a:fld>
             <a:endParaRPr lang="en-US"/>
           </a:p>
@@ -3458,7 +3492,7 @@
           <a:p>
             <a:fld id="{977E7D0C-D7FB-4D2C-848F-5020BD84B159}" type="datetimeFigureOut">
               <a:rPr lang="en-US" smtClean="0"/>
-              <a:t>4/10/2023</a:t>
+              <a:t>4/20/2023</a:t>
             </a:fld>
             <a:endParaRPr lang="en-US"/>
           </a:p>
@@ -3832,7 +3866,7 @@
           <a:p>
             <a:fld id="{977E7D0C-D7FB-4D2C-848F-5020BD84B159}" type="datetimeFigureOut">
               <a:rPr lang="en-US" smtClean="0"/>
-              <a:t>4/10/2023</a:t>
+              <a:t>4/20/2023</a:t>
             </a:fld>
             <a:endParaRPr lang="en-US"/>
           </a:p>
@@ -3955,7 +3989,7 @@
           <a:p>
             <a:fld id="{977E7D0C-D7FB-4D2C-848F-5020BD84B159}" type="datetimeFigureOut">
               <a:rPr lang="en-US" smtClean="0"/>
-              <a:t>4/10/2023</a:t>
+              <a:t>4/20/2023</a:t>
             </a:fld>
             <a:endParaRPr lang="en-US"/>
           </a:p>
@@ -4050,7 +4084,7 @@
           <a:p>
             <a:fld id="{977E7D0C-D7FB-4D2C-848F-5020BD84B159}" type="datetimeFigureOut">
               <a:rPr lang="en-US" smtClean="0"/>
-              <a:t>4/10/2023</a:t>
+              <a:t>4/20/2023</a:t>
             </a:fld>
             <a:endParaRPr lang="en-US"/>
           </a:p>
@@ -4305,7 +4339,7 @@
           <a:p>
             <a:fld id="{977E7D0C-D7FB-4D2C-848F-5020BD84B159}" type="datetimeFigureOut">
               <a:rPr lang="en-US" smtClean="0"/>
-              <a:t>4/10/2023</a:t>
+              <a:t>4/20/2023</a:t>
             </a:fld>
             <a:endParaRPr lang="en-US"/>
           </a:p>
@@ -4568,7 +4602,7 @@
           <a:p>
             <a:fld id="{977E7D0C-D7FB-4D2C-848F-5020BD84B159}" type="datetimeFigureOut">
               <a:rPr lang="en-US" smtClean="0"/>
-              <a:t>4/10/2023</a:t>
+              <a:t>4/20/2023</a:t>
             </a:fld>
             <a:endParaRPr lang="en-US"/>
           </a:p>
@@ -5311,7 +5345,7 @@
           <a:p>
             <a:fld id="{977E7D0C-D7FB-4D2C-848F-5020BD84B159}" type="datetimeFigureOut">
               <a:rPr lang="en-US" smtClean="0"/>
-              <a:t>4/10/2023</a:t>
+              <a:t>4/20/2023</a:t>
             </a:fld>
             <a:endParaRPr lang="en-US"/>
           </a:p>
@@ -5953,6 +5987,205 @@
           <p:cNvPr id="2" name="Заголовок 1">
             <a:extLst>
               <a:ext uri="{FF2B5EF4-FFF2-40B4-BE49-F238E27FC236}">
+                <a16:creationId xmlns:a16="http://schemas.microsoft.com/office/drawing/2014/main" id="{A8D487D4-C4C1-A3BA-8B58-F9EC7F898CE1}"/>
+              </a:ext>
+            </a:extLst>
+          </p:cNvPr>
+          <p:cNvSpPr>
+            <a:spLocks noGrp="1"/>
+          </p:cNvSpPr>
+          <p:nvPr>
+            <p:ph type="title"/>
+          </p:nvPr>
+        </p:nvSpPr>
+        <p:spPr/>
+        <p:txBody>
+          <a:bodyPr/>
+          <a:lstStyle/>
+          <a:p>
+            <a:r>
+              <a:rPr lang="ru-RU" dirty="0"/>
+              <a:t>Структура базы данных</a:t>
+            </a:r>
+            <a:r>
+              <a:rPr lang="en-US" dirty="0"/>
+              <a:t>. </a:t>
+            </a:r>
+            <a:r>
+              <a:rPr lang="ru-RU" dirty="0"/>
+              <a:t>Таблица </a:t>
+            </a:r>
+            <a:r>
+              <a:rPr lang="en-US" dirty="0" err="1"/>
+              <a:t>user_purchases</a:t>
+            </a:r>
+            <a:endParaRPr lang="en-US" dirty="0"/>
+          </a:p>
+        </p:txBody>
+      </p:sp>
+      <p:pic>
+        <p:nvPicPr>
+          <p:cNvPr id="7" name="Объект 6">
+            <a:extLst>
+              <a:ext uri="{FF2B5EF4-FFF2-40B4-BE49-F238E27FC236}">
+                <a16:creationId xmlns:a16="http://schemas.microsoft.com/office/drawing/2014/main" id="{8C475672-A26D-81A3-7ED4-4F8179DDC952}"/>
+              </a:ext>
+            </a:extLst>
+          </p:cNvPr>
+          <p:cNvPicPr>
+            <a:picLocks noGrp="1" noChangeAspect="1"/>
+          </p:cNvPicPr>
+          <p:nvPr>
+            <p:ph idx="1"/>
+          </p:nvPr>
+        </p:nvPicPr>
+        <p:blipFill>
+          <a:blip r:embed="rId2"/>
+          <a:stretch>
+            <a:fillRect/>
+          </a:stretch>
+        </p:blipFill>
+        <p:spPr>
+          <a:xfrm>
+            <a:off x="677334" y="2342509"/>
+            <a:ext cx="6025470" cy="3905891"/>
+          </a:xfrm>
+        </p:spPr>
+      </p:pic>
+    </p:spTree>
+    <p:extLst>
+      <p:ext uri="{BB962C8B-B14F-4D97-AF65-F5344CB8AC3E}">
+        <p14:creationId xmlns:p14="http://schemas.microsoft.com/office/powerpoint/2010/main" val="2975821808"/>
+      </p:ext>
+    </p:extLst>
+  </p:cSld>
+  <p:clrMapOvr>
+    <a:masterClrMapping/>
+  </p:clrMapOvr>
+</p:sld>
+</file>
+
+<file path=ppt/slides/slide11.xml><?xml version="1.0" encoding="utf-8"?>
+<p:sld xmlns:a="http://schemas.openxmlformats.org/drawingml/2006/main" xmlns:r="http://schemas.openxmlformats.org/officeDocument/2006/relationships" xmlns:p="http://schemas.openxmlformats.org/presentationml/2006/main">
+  <p:cSld>
+    <p:spTree>
+      <p:nvGrpSpPr>
+        <p:cNvPr id="1" name=""/>
+        <p:cNvGrpSpPr/>
+        <p:nvPr/>
+      </p:nvGrpSpPr>
+      <p:grpSpPr>
+        <a:xfrm>
+          <a:off x="0" y="0"/>
+          <a:ext cx="0" cy="0"/>
+          <a:chOff x="0" y="0"/>
+          <a:chExt cx="0" cy="0"/>
+        </a:xfrm>
+      </p:grpSpPr>
+      <p:sp>
+        <p:nvSpPr>
+          <p:cNvPr id="2" name="Заголовок 1">
+            <a:extLst>
+              <a:ext uri="{FF2B5EF4-FFF2-40B4-BE49-F238E27FC236}">
+                <a16:creationId xmlns:a16="http://schemas.microsoft.com/office/drawing/2014/main" id="{DCB16199-F771-F547-856C-96F326417BF4}"/>
+              </a:ext>
+            </a:extLst>
+          </p:cNvPr>
+          <p:cNvSpPr>
+            <a:spLocks noGrp="1"/>
+          </p:cNvSpPr>
+          <p:nvPr>
+            <p:ph type="title"/>
+          </p:nvPr>
+        </p:nvSpPr>
+        <p:spPr/>
+        <p:txBody>
+          <a:bodyPr/>
+          <a:lstStyle/>
+          <a:p>
+            <a:r>
+              <a:rPr lang="ru-RU" dirty="0"/>
+              <a:t>Структура базы данных</a:t>
+            </a:r>
+            <a:r>
+              <a:rPr lang="en-US" dirty="0"/>
+              <a:t>. </a:t>
+            </a:r>
+            <a:r>
+              <a:rPr lang="ru-RU" dirty="0"/>
+              <a:t>Таблица </a:t>
+            </a:r>
+            <a:r>
+              <a:rPr lang="en-US" dirty="0"/>
+              <a:t>advertisement</a:t>
+            </a:r>
+          </a:p>
+        </p:txBody>
+      </p:sp>
+      <p:pic>
+        <p:nvPicPr>
+          <p:cNvPr id="5" name="Объект 4">
+            <a:extLst>
+              <a:ext uri="{FF2B5EF4-FFF2-40B4-BE49-F238E27FC236}">
+                <a16:creationId xmlns:a16="http://schemas.microsoft.com/office/drawing/2014/main" id="{721D1A16-0470-FB5D-9846-9DF2E71D2739}"/>
+              </a:ext>
+            </a:extLst>
+          </p:cNvPr>
+          <p:cNvPicPr>
+            <a:picLocks noGrp="1" noChangeAspect="1"/>
+          </p:cNvPicPr>
+          <p:nvPr>
+            <p:ph idx="1"/>
+          </p:nvPr>
+        </p:nvPicPr>
+        <p:blipFill>
+          <a:blip r:embed="rId2"/>
+          <a:stretch>
+            <a:fillRect/>
+          </a:stretch>
+        </p:blipFill>
+        <p:spPr>
+          <a:xfrm>
+            <a:off x="754871" y="2352071"/>
+            <a:ext cx="4667250" cy="3800475"/>
+          </a:xfrm>
+        </p:spPr>
+      </p:pic>
+    </p:spTree>
+    <p:extLst>
+      <p:ext uri="{BB962C8B-B14F-4D97-AF65-F5344CB8AC3E}">
+        <p14:creationId xmlns:p14="http://schemas.microsoft.com/office/powerpoint/2010/main" val="3305859408"/>
+      </p:ext>
+    </p:extLst>
+  </p:cSld>
+  <p:clrMapOvr>
+    <a:masterClrMapping/>
+  </p:clrMapOvr>
+</p:sld>
+</file>
+
+<file path=ppt/slides/slide12.xml><?xml version="1.0" encoding="utf-8"?>
+<p:sld xmlns:a="http://schemas.openxmlformats.org/drawingml/2006/main" xmlns:r="http://schemas.openxmlformats.org/officeDocument/2006/relationships" xmlns:p="http://schemas.openxmlformats.org/presentationml/2006/main">
+  <p:cSld>
+    <p:spTree>
+      <p:nvGrpSpPr>
+        <p:cNvPr id="1" name=""/>
+        <p:cNvGrpSpPr/>
+        <p:nvPr/>
+      </p:nvGrpSpPr>
+      <p:grpSpPr>
+        <a:xfrm>
+          <a:off x="0" y="0"/>
+          <a:ext cx="0" cy="0"/>
+          <a:chOff x="0" y="0"/>
+          <a:chExt cx="0" cy="0"/>
+        </a:xfrm>
+      </p:grpSpPr>
+      <p:sp>
+        <p:nvSpPr>
+          <p:cNvPr id="2" name="Заголовок 1">
+            <a:extLst>
+              <a:ext uri="{FF2B5EF4-FFF2-40B4-BE49-F238E27FC236}">
                 <a16:creationId xmlns:a16="http://schemas.microsoft.com/office/drawing/2014/main" id="{2EFA11F4-7FB0-BAFE-01F8-58D2FD11B359}"/>
               </a:ext>
             </a:extLst>
@@ -6020,6 +6253,34 @@
                 <a:cs typeface="Calibri" panose="020F0502020204030204" pitchFamily="34" charset="0"/>
               </a:rPr>
               <a:t>удаление и редактирование книг в каталоге</a:t>
+            </a:r>
+            <a:r>
+              <a:rPr lang="en-US" sz="2800" dirty="0">
+                <a:latin typeface="Calibri" panose="020F0502020204030204" pitchFamily="34" charset="0"/>
+                <a:cs typeface="Calibri" panose="020F0502020204030204" pitchFamily="34" charset="0"/>
+              </a:rPr>
+              <a:t>, </a:t>
+            </a:r>
+            <a:r>
+              <a:rPr lang="ru-RU" sz="2800" dirty="0">
+                <a:latin typeface="Calibri" panose="020F0502020204030204" pitchFamily="34" charset="0"/>
+                <a:cs typeface="Calibri" panose="020F0502020204030204" pitchFamily="34" charset="0"/>
+              </a:rPr>
+              <a:t>удаление пользователей</a:t>
+            </a:r>
+            <a:r>
+              <a:rPr lang="en-US" sz="2800" dirty="0">
+                <a:latin typeface="Calibri" panose="020F0502020204030204" pitchFamily="34" charset="0"/>
+                <a:cs typeface="Calibri" panose="020F0502020204030204" pitchFamily="34" charset="0"/>
+              </a:rPr>
+              <a:t>, </a:t>
+            </a:r>
+            <a:r>
+              <a:rPr lang="ru-RU" sz="2800" dirty="0">
+                <a:latin typeface="Calibri" panose="020F0502020204030204" pitchFamily="34" charset="0"/>
+                <a:cs typeface="Calibri" panose="020F0502020204030204" pitchFamily="34" charset="0"/>
+              </a:rPr>
+              <a:t>повышение статуса пользователя до администратора</a:t>
             </a:r>
           </a:p>
           <a:p>
@@ -6046,7 +6307,7 @@
 </p:sld>
 </file>
 
-<file path=ppt/slides/slide11.xml><?xml version="1.0" encoding="utf-8"?>
+<file path=ppt/slides/slide13.xml><?xml version="1.0" encoding="utf-8"?>
 <p:sld xmlns:a="http://schemas.openxmlformats.org/drawingml/2006/main" xmlns:r="http://schemas.openxmlformats.org/officeDocument/2006/relationships" xmlns:p="http://schemas.openxmlformats.org/presentationml/2006/main">
   <p:cSld>
     <p:spTree>
@@ -6134,7 +6395,7 @@
 </p:sld>
 </file>
 
-<file path=ppt/slides/slide12.xml><?xml version="1.0" encoding="utf-8"?>
+<file path=ppt/slides/slide14.xml><?xml version="1.0" encoding="utf-8"?>
 <p:sld xmlns:a="http://schemas.openxmlformats.org/drawingml/2006/main" xmlns:r="http://schemas.openxmlformats.org/officeDocument/2006/relationships" xmlns:p="http://schemas.openxmlformats.org/presentationml/2006/main">
   <p:cSld>
     <p:spTree>
@@ -6151,12 +6412,41 @@
           <a:chExt cx="0" cy="0"/>
         </a:xfrm>
       </p:grpSpPr>
+      <p:sp>
+        <p:nvSpPr>
+          <p:cNvPr id="2" name="Заголовок 1">
+            <a:extLst>
+              <a:ext uri="{FF2B5EF4-FFF2-40B4-BE49-F238E27FC236}">
+                <a16:creationId xmlns:a16="http://schemas.microsoft.com/office/drawing/2014/main" id="{85B20345-BEDC-7CBE-8A73-C008AEAFD8C4}"/>
+              </a:ext>
+            </a:extLst>
+          </p:cNvPr>
+          <p:cNvSpPr>
+            <a:spLocks noGrp="1"/>
+          </p:cNvSpPr>
+          <p:nvPr>
+            <p:ph type="title"/>
+          </p:nvPr>
+        </p:nvSpPr>
+        <p:spPr/>
+        <p:txBody>
+          <a:bodyPr/>
+          <a:lstStyle/>
+          <a:p>
+            <a:r>
+              <a:rPr lang="ru-RU" dirty="0"/>
+              <a:t>Редактирование книги</a:t>
+            </a:r>
+            <a:endParaRPr lang="en-US" dirty="0"/>
+          </a:p>
+        </p:txBody>
+      </p:sp>
       <p:pic>
         <p:nvPicPr>
-          <p:cNvPr id="5" name="Объект 4">
+          <p:cNvPr id="4" name="Объект 5">
             <a:extLst>
               <a:ext uri="{FF2B5EF4-FFF2-40B4-BE49-F238E27FC236}">
-                <a16:creationId xmlns:a16="http://schemas.microsoft.com/office/drawing/2014/main" id="{BD5ACF00-8FF9-205F-26DF-BA1396C63627}"/>
+                <a16:creationId xmlns:a16="http://schemas.microsoft.com/office/drawing/2014/main" id="{B16F3EFD-C1BB-5F41-A104-1EC83F7FC7F8}"/>
               </a:ext>
             </a:extLst>
           </p:cNvPr>
@@ -6175,45 +6465,103 @@
         </p:blipFill>
         <p:spPr>
           <a:xfrm>
-            <a:off x="828336" y="632603"/>
-            <a:ext cx="7451046" cy="3881437"/>
+            <a:off x="677334" y="2034754"/>
+            <a:ext cx="8380732" cy="4213646"/>
           </a:xfrm>
         </p:spPr>
       </p:pic>
+    </p:spTree>
+    <p:extLst>
+      <p:ext uri="{BB962C8B-B14F-4D97-AF65-F5344CB8AC3E}">
+        <p14:creationId xmlns:p14="http://schemas.microsoft.com/office/powerpoint/2010/main" val="2681400159"/>
+      </p:ext>
+    </p:extLst>
+  </p:cSld>
+  <p:clrMapOvr>
+    <a:masterClrMapping/>
+  </p:clrMapOvr>
+</p:sld>
+</file>
+
+<file path=ppt/slides/slide15.xml><?xml version="1.0" encoding="utf-8"?>
+<p:sld xmlns:a="http://schemas.openxmlformats.org/drawingml/2006/main" xmlns:r="http://schemas.openxmlformats.org/officeDocument/2006/relationships" xmlns:p="http://schemas.openxmlformats.org/presentationml/2006/main">
+  <p:cSld>
+    <p:spTree>
+      <p:nvGrpSpPr>
+        <p:cNvPr id="1" name=""/>
+        <p:cNvGrpSpPr/>
+        <p:nvPr/>
+      </p:nvGrpSpPr>
+      <p:grpSpPr>
+        <a:xfrm>
+          <a:off x="0" y="0"/>
+          <a:ext cx="0" cy="0"/>
+          <a:chOff x="0" y="0"/>
+          <a:chExt cx="0" cy="0"/>
+        </a:xfrm>
+      </p:grpSpPr>
+      <p:sp>
+        <p:nvSpPr>
+          <p:cNvPr id="2" name="Заголовок 1">
+            <a:extLst>
+              <a:ext uri="{FF2B5EF4-FFF2-40B4-BE49-F238E27FC236}">
+                <a16:creationId xmlns:a16="http://schemas.microsoft.com/office/drawing/2014/main" id="{1F58C5FA-064F-363D-7E9F-AFFE4C2C2A3F}"/>
+              </a:ext>
+            </a:extLst>
+          </p:cNvPr>
+          <p:cNvSpPr>
+            <a:spLocks noGrp="1"/>
+          </p:cNvSpPr>
+          <p:nvPr>
+            <p:ph type="title"/>
+          </p:nvPr>
+        </p:nvSpPr>
+        <p:spPr/>
+        <p:txBody>
+          <a:bodyPr/>
+          <a:lstStyle/>
+          <a:p>
+            <a:r>
+              <a:rPr lang="ru-RU" dirty="0"/>
+              <a:t>Изменение рекламы</a:t>
+            </a:r>
+            <a:endParaRPr lang="en-US" dirty="0"/>
+          </a:p>
+        </p:txBody>
+      </p:sp>
       <p:pic>
         <p:nvPicPr>
-          <p:cNvPr id="7" name="Рисунок 6">
+          <p:cNvPr id="5" name="Объект 4">
             <a:extLst>
               <a:ext uri="{FF2B5EF4-FFF2-40B4-BE49-F238E27FC236}">
-                <a16:creationId xmlns:a16="http://schemas.microsoft.com/office/drawing/2014/main" id="{94F97752-B9DB-928E-8EDD-AE298ADDDA81}"/>
+                <a16:creationId xmlns:a16="http://schemas.microsoft.com/office/drawing/2014/main" id="{64F0DB97-3372-BDBE-C554-BF9F70742842}"/>
               </a:ext>
             </a:extLst>
           </p:cNvPr>
           <p:cNvPicPr>
-            <a:picLocks noChangeAspect="1"/>
+            <a:picLocks noGrp="1" noChangeAspect="1"/>
           </p:cNvPicPr>
-          <p:nvPr/>
+          <p:nvPr>
+            <p:ph idx="1"/>
+          </p:nvPr>
         </p:nvPicPr>
         <p:blipFill>
-          <a:blip r:embed="rId3"/>
+          <a:blip r:embed="rId2"/>
           <a:stretch>
             <a:fillRect/>
           </a:stretch>
         </p:blipFill>
         <p:spPr>
           <a:xfrm>
-            <a:off x="828336" y="4801245"/>
-            <a:ext cx="7451046" cy="1818434"/>
+            <a:off x="677334" y="1930400"/>
+            <a:ext cx="8541232" cy="4193563"/>
           </a:xfrm>
-          <a:prstGeom prst="rect">
-            <a:avLst/>
-          </a:prstGeom>
         </p:spPr>
       </p:pic>
     </p:spTree>
     <p:extLst>
       <p:ext uri="{BB962C8B-B14F-4D97-AF65-F5344CB8AC3E}">
-        <p14:creationId xmlns:p14="http://schemas.microsoft.com/office/powerpoint/2010/main" val="749704789"/>
+        <p14:creationId xmlns:p14="http://schemas.microsoft.com/office/powerpoint/2010/main" val="1458514516"/>
       </p:ext>
     </p:extLst>
   </p:cSld>
@@ -6224,6 +6572,127 @@
 </file>
 
 <file path=ppt/slides/slide2.xml><?xml version="1.0" encoding="utf-8"?>
+<p:sld xmlns:a="http://schemas.openxmlformats.org/drawingml/2006/main" xmlns:r="http://schemas.openxmlformats.org/officeDocument/2006/relationships" xmlns:p="http://schemas.openxmlformats.org/presentationml/2006/main">
+  <p:cSld>
+    <p:spTree>
+      <p:nvGrpSpPr>
+        <p:cNvPr id="1" name=""/>
+        <p:cNvGrpSpPr/>
+        <p:nvPr/>
+      </p:nvGrpSpPr>
+      <p:grpSpPr>
+        <a:xfrm>
+          <a:off x="0" y="0"/>
+          <a:ext cx="0" cy="0"/>
+          <a:chOff x="0" y="0"/>
+          <a:chExt cx="0" cy="0"/>
+        </a:xfrm>
+      </p:grpSpPr>
+      <p:sp>
+        <p:nvSpPr>
+          <p:cNvPr id="2" name="Заголовок 1">
+            <a:extLst>
+              <a:ext uri="{FF2B5EF4-FFF2-40B4-BE49-F238E27FC236}">
+                <a16:creationId xmlns:a16="http://schemas.microsoft.com/office/drawing/2014/main" id="{AC48900E-8879-7773-963C-2D760007D6E9}"/>
+              </a:ext>
+            </a:extLst>
+          </p:cNvPr>
+          <p:cNvSpPr>
+            <a:spLocks noGrp="1"/>
+          </p:cNvSpPr>
+          <p:nvPr>
+            <p:ph type="title"/>
+          </p:nvPr>
+        </p:nvSpPr>
+        <p:spPr/>
+        <p:txBody>
+          <a:bodyPr/>
+          <a:lstStyle/>
+          <a:p>
+            <a:r>
+              <a:rPr lang="ru-RU" dirty="0"/>
+              <a:t>Используемые модули</a:t>
+            </a:r>
+            <a:endParaRPr lang="en-US" dirty="0"/>
+          </a:p>
+        </p:txBody>
+      </p:sp>
+      <p:sp>
+        <p:nvSpPr>
+          <p:cNvPr id="5" name="Объект 4">
+            <a:extLst>
+              <a:ext uri="{FF2B5EF4-FFF2-40B4-BE49-F238E27FC236}">
+                <a16:creationId xmlns:a16="http://schemas.microsoft.com/office/drawing/2014/main" id="{3B8729FB-E492-ABAB-7BB8-AC2F8B1694F4}"/>
+              </a:ext>
+            </a:extLst>
+          </p:cNvPr>
+          <p:cNvSpPr>
+            <a:spLocks noGrp="1"/>
+          </p:cNvSpPr>
+          <p:nvPr>
+            <p:ph idx="1"/>
+          </p:nvPr>
+        </p:nvSpPr>
+        <p:spPr/>
+        <p:txBody>
+          <a:bodyPr>
+            <a:normAutofit/>
+          </a:bodyPr>
+          <a:lstStyle/>
+          <a:p>
+            <a:r>
+              <a:rPr lang="en-US" sz="2800" dirty="0">
+                <a:latin typeface="Calibri" panose="020F0502020204030204" pitchFamily="34" charset="0"/>
+                <a:cs typeface="Calibri" panose="020F0502020204030204" pitchFamily="34" charset="0"/>
+              </a:rPr>
+              <a:t>flask</a:t>
+            </a:r>
+          </a:p>
+          <a:p>
+            <a:r>
+              <a:rPr lang="en-US" sz="2800" dirty="0" err="1">
+                <a:latin typeface="Calibri" panose="020F0502020204030204" pitchFamily="34" charset="0"/>
+                <a:cs typeface="Calibri" panose="020F0502020204030204" pitchFamily="34" charset="0"/>
+              </a:rPr>
+              <a:t>sqlalchemy</a:t>
+            </a:r>
+            <a:r>
+              <a:rPr lang="en-US" sz="2800" dirty="0">
+                <a:latin typeface="Calibri" panose="020F0502020204030204" pitchFamily="34" charset="0"/>
+                <a:cs typeface="Calibri" panose="020F0502020204030204" pitchFamily="34" charset="0"/>
+              </a:rPr>
+              <a:t> </a:t>
+            </a:r>
+          </a:p>
+          <a:p>
+            <a:r>
+              <a:rPr lang="en-US" sz="2800" dirty="0" err="1">
+                <a:latin typeface="Calibri" panose="020F0502020204030204" pitchFamily="34" charset="0"/>
+                <a:cs typeface="Calibri" panose="020F0502020204030204" pitchFamily="34" charset="0"/>
+              </a:rPr>
+              <a:t>werkzeug_security</a:t>
+            </a:r>
+            <a:endParaRPr lang="en-US" sz="2800" dirty="0">
+              <a:latin typeface="Calibri" panose="020F0502020204030204" pitchFamily="34" charset="0"/>
+              <a:cs typeface="Calibri" panose="020F0502020204030204" pitchFamily="34" charset="0"/>
+            </a:endParaRPr>
+          </a:p>
+        </p:txBody>
+      </p:sp>
+    </p:spTree>
+    <p:extLst>
+      <p:ext uri="{BB962C8B-B14F-4D97-AF65-F5344CB8AC3E}">
+        <p14:creationId xmlns:p14="http://schemas.microsoft.com/office/powerpoint/2010/main" val="3696197263"/>
+      </p:ext>
+    </p:extLst>
+  </p:cSld>
+  <p:clrMapOvr>
+    <a:masterClrMapping/>
+  </p:clrMapOvr>
+</p:sld>
+</file>
+
+<file path=ppt/slides/slide3.xml><?xml version="1.0" encoding="utf-8"?>
 <p:sld xmlns:a="http://schemas.openxmlformats.org/drawingml/2006/main" xmlns:r="http://schemas.openxmlformats.org/officeDocument/2006/relationships" xmlns:p="http://schemas.openxmlformats.org/presentationml/2006/main">
   <p:cSld>
     <p:spTree>
@@ -6312,7 +6781,7 @@
 </p:sld>
 </file>
 
-<file path=ppt/slides/slide3.xml><?xml version="1.0" encoding="utf-8"?>
+<file path=ppt/slides/slide4.xml><?xml version="1.0" encoding="utf-8"?>
 <p:sld xmlns:a="http://schemas.openxmlformats.org/drawingml/2006/main" xmlns:r="http://schemas.openxmlformats.org/officeDocument/2006/relationships" xmlns:p="http://schemas.openxmlformats.org/presentationml/2006/main">
   <p:cSld>
     <p:spTree>
@@ -6400,7 +6869,7 @@
 </p:sld>
 </file>
 
-<file path=ppt/slides/slide4.xml><?xml version="1.0" encoding="utf-8"?>
+<file path=ppt/slides/slide5.xml><?xml version="1.0" encoding="utf-8"?>
 <p:sld xmlns:a="http://schemas.openxmlformats.org/drawingml/2006/main" xmlns:r="http://schemas.openxmlformats.org/officeDocument/2006/relationships" xmlns:p="http://schemas.openxmlformats.org/presentationml/2006/main">
   <p:cSld>
     <p:spTree>
@@ -6736,7 +7205,7 @@
 </p:sld>
 </file>
 
-<file path=ppt/slides/slide5.xml><?xml version="1.0" encoding="utf-8"?>
+<file path=ppt/slides/slide6.xml><?xml version="1.0" encoding="utf-8"?>
 <p:sld xmlns:a="http://schemas.openxmlformats.org/drawingml/2006/main" xmlns:r="http://schemas.openxmlformats.org/officeDocument/2006/relationships" xmlns:p="http://schemas.openxmlformats.org/presentationml/2006/main">
   <p:cSld>
     <p:spTree>
@@ -6827,7 +7296,7 @@
 </p:sld>
 </file>
 
-<file path=ppt/slides/slide6.xml><?xml version="1.0" encoding="utf-8"?>
+<file path=ppt/slides/slide7.xml><?xml version="1.0" encoding="utf-8"?>
 <p:sld xmlns:a="http://schemas.openxmlformats.org/drawingml/2006/main" xmlns:r="http://schemas.openxmlformats.org/officeDocument/2006/relationships" xmlns:p="http://schemas.openxmlformats.org/presentationml/2006/main">
   <p:cSld>
     <p:spTree>
@@ -6915,238 +7384,6 @@
 </p:sld>
 </file>
 
-<file path=ppt/slides/slide7.xml><?xml version="1.0" encoding="utf-8"?>
-<p:sld xmlns:a="http://schemas.openxmlformats.org/drawingml/2006/main" xmlns:r="http://schemas.openxmlformats.org/officeDocument/2006/relationships" xmlns:p="http://schemas.openxmlformats.org/presentationml/2006/main">
-  <p:cSld>
-    <p:spTree>
-      <p:nvGrpSpPr>
-        <p:cNvPr id="1" name=""/>
-        <p:cNvGrpSpPr/>
-        <p:nvPr/>
-      </p:nvGrpSpPr>
-      <p:grpSpPr>
-        <a:xfrm>
-          <a:off x="0" y="0"/>
-          <a:ext cx="0" cy="0"/>
-          <a:chOff x="0" y="0"/>
-          <a:chExt cx="0" cy="0"/>
-        </a:xfrm>
-      </p:grpSpPr>
-      <p:sp>
-        <p:nvSpPr>
-          <p:cNvPr id="2" name="Заголовок 1">
-            <a:extLst>
-              <a:ext uri="{FF2B5EF4-FFF2-40B4-BE49-F238E27FC236}">
-                <a16:creationId xmlns:a16="http://schemas.microsoft.com/office/drawing/2014/main" id="{84724820-5A67-613F-ED9E-9B0922E6E1E6}"/>
-              </a:ext>
-            </a:extLst>
-          </p:cNvPr>
-          <p:cNvSpPr>
-            <a:spLocks noGrp="1"/>
-          </p:cNvSpPr>
-          <p:nvPr>
-            <p:ph type="title"/>
-          </p:nvPr>
-        </p:nvSpPr>
-        <p:spPr/>
-        <p:txBody>
-          <a:bodyPr/>
-          <a:lstStyle/>
-          <a:p>
-            <a:r>
-              <a:rPr lang="ru-RU" dirty="0"/>
-              <a:t>Структура базы данных</a:t>
-            </a:r>
-            <a:endParaRPr lang="en-US" dirty="0"/>
-          </a:p>
-        </p:txBody>
-      </p:sp>
-      <p:sp>
-        <p:nvSpPr>
-          <p:cNvPr id="3" name="Объект 2">
-            <a:extLst>
-              <a:ext uri="{FF2B5EF4-FFF2-40B4-BE49-F238E27FC236}">
-                <a16:creationId xmlns:a16="http://schemas.microsoft.com/office/drawing/2014/main" id="{402F2F98-334D-437C-A688-FDB15C2146CA}"/>
-              </a:ext>
-            </a:extLst>
-          </p:cNvPr>
-          <p:cNvSpPr>
-            <a:spLocks noGrp="1"/>
-          </p:cNvSpPr>
-          <p:nvPr>
-            <p:ph idx="1"/>
-          </p:nvPr>
-        </p:nvSpPr>
-        <p:spPr/>
-        <p:txBody>
-          <a:bodyPr>
-            <a:normAutofit/>
-          </a:bodyPr>
-          <a:lstStyle/>
-          <a:p>
-            <a:r>
-              <a:rPr lang="ru-RU" sz="2400" dirty="0">
-                <a:latin typeface="Calibri" panose="020F0502020204030204" pitchFamily="34" charset="0"/>
-                <a:cs typeface="Calibri" panose="020F0502020204030204" pitchFamily="34" charset="0"/>
-              </a:rPr>
-              <a:t>Всего 3 таблицы</a:t>
-            </a:r>
-            <a:r>
-              <a:rPr lang="en-US" sz="2400" dirty="0">
-                <a:latin typeface="Calibri" panose="020F0502020204030204" pitchFamily="34" charset="0"/>
-                <a:cs typeface="Calibri" panose="020F0502020204030204" pitchFamily="34" charset="0"/>
-              </a:rPr>
-              <a:t>: books, users, </a:t>
-            </a:r>
-            <a:r>
-              <a:rPr lang="en-US" sz="2400" dirty="0" err="1">
-                <a:latin typeface="Calibri" panose="020F0502020204030204" pitchFamily="34" charset="0"/>
-                <a:cs typeface="Calibri" panose="020F0502020204030204" pitchFamily="34" charset="0"/>
-              </a:rPr>
-              <a:t>user_purchases</a:t>
-            </a:r>
-            <a:endParaRPr lang="en-US" sz="2400" dirty="0">
-              <a:latin typeface="Calibri" panose="020F0502020204030204" pitchFamily="34" charset="0"/>
-              <a:cs typeface="Calibri" panose="020F0502020204030204" pitchFamily="34" charset="0"/>
-            </a:endParaRPr>
-          </a:p>
-          <a:p>
-            <a:r>
-              <a:rPr lang="en-US" sz="2400" dirty="0">
-                <a:latin typeface="Calibri" panose="020F0502020204030204" pitchFamily="34" charset="0"/>
-                <a:cs typeface="Calibri" panose="020F0502020204030204" pitchFamily="34" charset="0"/>
-              </a:rPr>
-              <a:t>books – </a:t>
-            </a:r>
-            <a:r>
-              <a:rPr lang="ru-RU" sz="2400" dirty="0">
-                <a:latin typeface="Calibri" panose="020F0502020204030204" pitchFamily="34" charset="0"/>
-                <a:cs typeface="Calibri" panose="020F0502020204030204" pitchFamily="34" charset="0"/>
-              </a:rPr>
-              <a:t>книги в каталоге магазина</a:t>
-            </a:r>
-          </a:p>
-          <a:p>
-            <a:r>
-              <a:rPr lang="en-US" sz="2400" dirty="0">
-                <a:latin typeface="Calibri" panose="020F0502020204030204" pitchFamily="34" charset="0"/>
-                <a:cs typeface="Calibri" panose="020F0502020204030204" pitchFamily="34" charset="0"/>
-              </a:rPr>
-              <a:t>users – </a:t>
-            </a:r>
-            <a:r>
-              <a:rPr lang="ru-RU" sz="2400" dirty="0">
-                <a:latin typeface="Calibri" panose="020F0502020204030204" pitchFamily="34" charset="0"/>
-                <a:cs typeface="Calibri" panose="020F0502020204030204" pitchFamily="34" charset="0"/>
-              </a:rPr>
-              <a:t>зарегистрированные пользователи</a:t>
-            </a:r>
-          </a:p>
-          <a:p>
-            <a:r>
-              <a:rPr lang="en-US" sz="2400" dirty="0" err="1">
-                <a:latin typeface="Calibri" panose="020F0502020204030204" pitchFamily="34" charset="0"/>
-                <a:cs typeface="Calibri" panose="020F0502020204030204" pitchFamily="34" charset="0"/>
-              </a:rPr>
-              <a:t>user_purchases</a:t>
-            </a:r>
-            <a:r>
-              <a:rPr lang="en-US" sz="2400" dirty="0">
-                <a:latin typeface="Calibri" panose="020F0502020204030204" pitchFamily="34" charset="0"/>
-                <a:cs typeface="Calibri" panose="020F0502020204030204" pitchFamily="34" charset="0"/>
-              </a:rPr>
-              <a:t> – </a:t>
-            </a:r>
-            <a:r>
-              <a:rPr lang="ru-RU" sz="2400" dirty="0">
-                <a:latin typeface="Calibri" panose="020F0502020204030204" pitchFamily="34" charset="0"/>
-                <a:cs typeface="Calibri" panose="020F0502020204030204" pitchFamily="34" charset="0"/>
-              </a:rPr>
-              <a:t>товары</a:t>
-            </a:r>
-            <a:r>
-              <a:rPr lang="en-US" sz="2400" dirty="0">
-                <a:latin typeface="Calibri" panose="020F0502020204030204" pitchFamily="34" charset="0"/>
-                <a:cs typeface="Calibri" panose="020F0502020204030204" pitchFamily="34" charset="0"/>
-              </a:rPr>
-              <a:t>, </a:t>
-            </a:r>
-            <a:r>
-              <a:rPr lang="ru-RU" sz="2400" dirty="0">
-                <a:latin typeface="Calibri" panose="020F0502020204030204" pitchFamily="34" charset="0"/>
-                <a:cs typeface="Calibri" panose="020F0502020204030204" pitchFamily="34" charset="0"/>
-              </a:rPr>
-              <a:t>добавленные пользователем в корзину</a:t>
-            </a:r>
-            <a:r>
-              <a:rPr lang="en-US" sz="2400" dirty="0">
-                <a:latin typeface="Calibri" panose="020F0502020204030204" pitchFamily="34" charset="0"/>
-                <a:cs typeface="Calibri" panose="020F0502020204030204" pitchFamily="34" charset="0"/>
-              </a:rPr>
-              <a:t>. </a:t>
-            </a:r>
-            <a:r>
-              <a:rPr lang="ru-RU" sz="2400" dirty="0">
-                <a:latin typeface="Calibri" panose="020F0502020204030204" pitchFamily="34" charset="0"/>
-                <a:cs typeface="Calibri" panose="020F0502020204030204" pitchFamily="34" charset="0"/>
-              </a:rPr>
-              <a:t>       После оформления заказа</a:t>
-            </a:r>
-            <a:r>
-              <a:rPr lang="en-US" sz="2400" dirty="0">
-                <a:latin typeface="Calibri" panose="020F0502020204030204" pitchFamily="34" charset="0"/>
-                <a:cs typeface="Calibri" panose="020F0502020204030204" pitchFamily="34" charset="0"/>
-              </a:rPr>
-              <a:t>, “</a:t>
-            </a:r>
-            <a:r>
-              <a:rPr lang="ru-RU" sz="2400" dirty="0">
-                <a:latin typeface="Calibri" panose="020F0502020204030204" pitchFamily="34" charset="0"/>
-                <a:cs typeface="Calibri" panose="020F0502020204030204" pitchFamily="34" charset="0"/>
-              </a:rPr>
-              <a:t>купленные</a:t>
-            </a:r>
-            <a:r>
-              <a:rPr lang="en-US" sz="2400" dirty="0">
-                <a:latin typeface="Calibri" panose="020F0502020204030204" pitchFamily="34" charset="0"/>
-                <a:cs typeface="Calibri" panose="020F0502020204030204" pitchFamily="34" charset="0"/>
-              </a:rPr>
-              <a:t>”</a:t>
-            </a:r>
-            <a:r>
-              <a:rPr lang="ru-RU" sz="2400" dirty="0">
-                <a:latin typeface="Calibri" panose="020F0502020204030204" pitchFamily="34" charset="0"/>
-                <a:cs typeface="Calibri" panose="020F0502020204030204" pitchFamily="34" charset="0"/>
-              </a:rPr>
-              <a:t> товары удаляются из </a:t>
-            </a:r>
-            <a:r>
-              <a:rPr lang="ru-RU" sz="2400" dirty="0" err="1">
-                <a:latin typeface="Calibri" panose="020F0502020204030204" pitchFamily="34" charset="0"/>
-                <a:cs typeface="Calibri" panose="020F0502020204030204" pitchFamily="34" charset="0"/>
-              </a:rPr>
-              <a:t>бд</a:t>
-            </a:r>
-            <a:endParaRPr lang="en-US" sz="2400" dirty="0">
-              <a:latin typeface="Calibri" panose="020F0502020204030204" pitchFamily="34" charset="0"/>
-              <a:cs typeface="Calibri" panose="020F0502020204030204" pitchFamily="34" charset="0"/>
-            </a:endParaRPr>
-          </a:p>
-        </p:txBody>
-      </p:sp>
-    </p:spTree>
-    <p:extLst>
-      <p:ext uri="{BB962C8B-B14F-4D97-AF65-F5344CB8AC3E}">
-        <p14:creationId xmlns:p14="http://schemas.microsoft.com/office/powerpoint/2010/main" val="2499457006"/>
-      </p:ext>
-    </p:extLst>
-  </p:cSld>
-  <p:clrMapOvr>
-    <a:masterClrMapping/>
-  </p:clrMapOvr>
-</p:sld>
-</file>
-
 <file path=ppt/slides/slide8.xml><?xml version="1.0" encoding="utf-8"?>
 <p:sld xmlns:a="http://schemas.openxmlformats.org/drawingml/2006/main" xmlns:r="http://schemas.openxmlformats.org/officeDocument/2006/relationships" xmlns:p="http://schemas.openxmlformats.org/presentationml/2006/main">
   <p:cSld>
@@ -7169,7 +7406,7 @@
           <p:cNvPr id="2" name="Заголовок 1">
             <a:extLst>
               <a:ext uri="{FF2B5EF4-FFF2-40B4-BE49-F238E27FC236}">
-                <a16:creationId xmlns:a16="http://schemas.microsoft.com/office/drawing/2014/main" id="{A8D487D4-C4C1-A3BA-8B58-F9EC7F898CE1}"/>
+                <a16:creationId xmlns:a16="http://schemas.microsoft.com/office/drawing/2014/main" id="{84724820-5A67-613F-ED9E-9B0922E6E1E6}"/>
               </a:ext>
             </a:extLst>
           </p:cNvPr>
@@ -7189,54 +7426,238 @@
               <a:rPr lang="ru-RU" dirty="0"/>
               <a:t>Структура базы данных</a:t>
             </a:r>
-            <a:r>
-              <a:rPr lang="en-US" dirty="0"/>
-              <a:t>. </a:t>
-            </a:r>
-            <a:r>
-              <a:rPr lang="ru-RU" dirty="0"/>
-              <a:t>Таблица </a:t>
-            </a:r>
-            <a:r>
-              <a:rPr lang="en-US" dirty="0"/>
-              <a:t>books</a:t>
-            </a:r>
-          </a:p>
-        </p:txBody>
-      </p:sp>
-      <p:pic>
-        <p:nvPicPr>
-          <p:cNvPr id="5" name="Объект 4">
+            <a:endParaRPr lang="en-US" dirty="0"/>
+          </a:p>
+        </p:txBody>
+      </p:sp>
+      <p:sp>
+        <p:nvSpPr>
+          <p:cNvPr id="3" name="Объект 2">
             <a:extLst>
               <a:ext uri="{FF2B5EF4-FFF2-40B4-BE49-F238E27FC236}">
-                <a16:creationId xmlns:a16="http://schemas.microsoft.com/office/drawing/2014/main" id="{BAE48515-F5E0-3C94-3ECA-0364CEE8595F}"/>
+                <a16:creationId xmlns:a16="http://schemas.microsoft.com/office/drawing/2014/main" id="{402F2F98-334D-437C-A688-FDB15C2146CA}"/>
               </a:ext>
             </a:extLst>
           </p:cNvPr>
-          <p:cNvPicPr>
-            <a:picLocks noGrp="1" noChangeAspect="1"/>
-          </p:cNvPicPr>
+          <p:cNvSpPr>
+            <a:spLocks noGrp="1"/>
+          </p:cNvSpPr>
           <p:nvPr>
             <p:ph idx="1"/>
           </p:nvPr>
-        </p:nvPicPr>
-        <p:blipFill>
-          <a:blip r:embed="rId2"/>
-          <a:stretch>
-            <a:fillRect/>
-          </a:stretch>
-        </p:blipFill>
-        <p:spPr>
-          <a:xfrm>
-            <a:off x="677334" y="1930400"/>
-            <a:ext cx="5052347" cy="4660499"/>
-          </a:xfrm>
-        </p:spPr>
-      </p:pic>
+        </p:nvSpPr>
+        <p:spPr/>
+        <p:txBody>
+          <a:bodyPr>
+            <a:normAutofit/>
+          </a:bodyPr>
+          <a:lstStyle/>
+          <a:p>
+            <a:r>
+              <a:rPr lang="ru-RU" sz="2400" dirty="0">
+                <a:latin typeface="Calibri" panose="020F0502020204030204" pitchFamily="34" charset="0"/>
+                <a:cs typeface="Calibri" panose="020F0502020204030204" pitchFamily="34" charset="0"/>
+              </a:rPr>
+              <a:t>Всего </a:t>
+            </a:r>
+            <a:r>
+              <a:rPr lang="en-US" sz="2400" dirty="0">
+                <a:latin typeface="Calibri" panose="020F0502020204030204" pitchFamily="34" charset="0"/>
+                <a:cs typeface="Calibri" panose="020F0502020204030204" pitchFamily="34" charset="0"/>
+              </a:rPr>
+              <a:t>4</a:t>
+            </a:r>
+            <a:r>
+              <a:rPr lang="ru-RU" sz="2400" dirty="0">
+                <a:latin typeface="Calibri" panose="020F0502020204030204" pitchFamily="34" charset="0"/>
+                <a:cs typeface="Calibri" panose="020F0502020204030204" pitchFamily="34" charset="0"/>
+              </a:rPr>
+              <a:t> таблицы</a:t>
+            </a:r>
+            <a:r>
+              <a:rPr lang="en-US" sz="2400" dirty="0">
+                <a:latin typeface="Calibri" panose="020F0502020204030204" pitchFamily="34" charset="0"/>
+                <a:cs typeface="Calibri" panose="020F0502020204030204" pitchFamily="34" charset="0"/>
+              </a:rPr>
+              <a:t>: books, users, </a:t>
+            </a:r>
+            <a:r>
+              <a:rPr lang="en-US" sz="2400" dirty="0" err="1">
+                <a:latin typeface="Calibri" panose="020F0502020204030204" pitchFamily="34" charset="0"/>
+                <a:cs typeface="Calibri" panose="020F0502020204030204" pitchFamily="34" charset="0"/>
+              </a:rPr>
+              <a:t>user_purchases</a:t>
+            </a:r>
+            <a:r>
+              <a:rPr lang="en-US" sz="2400" dirty="0">
+                <a:latin typeface="Calibri" panose="020F0502020204030204" pitchFamily="34" charset="0"/>
+                <a:cs typeface="Calibri" panose="020F0502020204030204" pitchFamily="34" charset="0"/>
+              </a:rPr>
+              <a:t>, advertisement </a:t>
+            </a:r>
+          </a:p>
+          <a:p>
+            <a:r>
+              <a:rPr lang="en-US" sz="2400" dirty="0">
+                <a:latin typeface="Calibri" panose="020F0502020204030204" pitchFamily="34" charset="0"/>
+                <a:cs typeface="Calibri" panose="020F0502020204030204" pitchFamily="34" charset="0"/>
+              </a:rPr>
+              <a:t>books – </a:t>
+            </a:r>
+            <a:r>
+              <a:rPr lang="ru-RU" sz="2400" dirty="0">
+                <a:latin typeface="Calibri" panose="020F0502020204030204" pitchFamily="34" charset="0"/>
+                <a:cs typeface="Calibri" panose="020F0502020204030204" pitchFamily="34" charset="0"/>
+              </a:rPr>
+              <a:t>книги в каталоге магазина</a:t>
+            </a:r>
+          </a:p>
+          <a:p>
+            <a:r>
+              <a:rPr lang="en-US" sz="2400" dirty="0">
+                <a:latin typeface="Calibri" panose="020F0502020204030204" pitchFamily="34" charset="0"/>
+                <a:cs typeface="Calibri" panose="020F0502020204030204" pitchFamily="34" charset="0"/>
+              </a:rPr>
+              <a:t>users – </a:t>
+            </a:r>
+            <a:r>
+              <a:rPr lang="ru-RU" sz="2400" dirty="0">
+                <a:latin typeface="Calibri" panose="020F0502020204030204" pitchFamily="34" charset="0"/>
+                <a:cs typeface="Calibri" panose="020F0502020204030204" pitchFamily="34" charset="0"/>
+              </a:rPr>
+              <a:t>зарегистрированные пользователи</a:t>
+            </a:r>
+          </a:p>
+          <a:p>
+            <a:r>
+              <a:rPr lang="en-US" sz="2400" dirty="0" err="1">
+                <a:latin typeface="Calibri" panose="020F0502020204030204" pitchFamily="34" charset="0"/>
+                <a:cs typeface="Calibri" panose="020F0502020204030204" pitchFamily="34" charset="0"/>
+              </a:rPr>
+              <a:t>user_purchases</a:t>
+            </a:r>
+            <a:r>
+              <a:rPr lang="en-US" sz="2400" dirty="0">
+                <a:latin typeface="Calibri" panose="020F0502020204030204" pitchFamily="34" charset="0"/>
+                <a:cs typeface="Calibri" panose="020F0502020204030204" pitchFamily="34" charset="0"/>
+              </a:rPr>
+              <a:t> – </a:t>
+            </a:r>
+            <a:r>
+              <a:rPr lang="ru-RU" sz="2400" dirty="0">
+                <a:latin typeface="Calibri" panose="020F0502020204030204" pitchFamily="34" charset="0"/>
+                <a:cs typeface="Calibri" panose="020F0502020204030204" pitchFamily="34" charset="0"/>
+              </a:rPr>
+              <a:t>товары</a:t>
+            </a:r>
+            <a:r>
+              <a:rPr lang="en-US" sz="2400" dirty="0">
+                <a:latin typeface="Calibri" panose="020F0502020204030204" pitchFamily="34" charset="0"/>
+                <a:cs typeface="Calibri" panose="020F0502020204030204" pitchFamily="34" charset="0"/>
+              </a:rPr>
+              <a:t>, </a:t>
+            </a:r>
+            <a:r>
+              <a:rPr lang="ru-RU" sz="2400" dirty="0">
+                <a:latin typeface="Calibri" panose="020F0502020204030204" pitchFamily="34" charset="0"/>
+                <a:cs typeface="Calibri" panose="020F0502020204030204" pitchFamily="34" charset="0"/>
+              </a:rPr>
+              <a:t>добавленные пользователем в корзину</a:t>
+            </a:r>
+            <a:r>
+              <a:rPr lang="en-US" sz="2400" dirty="0">
+                <a:latin typeface="Calibri" panose="020F0502020204030204" pitchFamily="34" charset="0"/>
+                <a:cs typeface="Calibri" panose="020F0502020204030204" pitchFamily="34" charset="0"/>
+              </a:rPr>
+              <a:t>. </a:t>
+            </a:r>
+            <a:r>
+              <a:rPr lang="ru-RU" sz="2400" dirty="0">
+                <a:latin typeface="Calibri" panose="020F0502020204030204" pitchFamily="34" charset="0"/>
+                <a:cs typeface="Calibri" panose="020F0502020204030204" pitchFamily="34" charset="0"/>
+              </a:rPr>
+              <a:t>       После оформления заказа</a:t>
+            </a:r>
+            <a:r>
+              <a:rPr lang="en-US" sz="2400" dirty="0">
+                <a:latin typeface="Calibri" panose="020F0502020204030204" pitchFamily="34" charset="0"/>
+                <a:cs typeface="Calibri" panose="020F0502020204030204" pitchFamily="34" charset="0"/>
+              </a:rPr>
+              <a:t>, “</a:t>
+            </a:r>
+            <a:r>
+              <a:rPr lang="ru-RU" sz="2400" dirty="0">
+                <a:latin typeface="Calibri" panose="020F0502020204030204" pitchFamily="34" charset="0"/>
+                <a:cs typeface="Calibri" panose="020F0502020204030204" pitchFamily="34" charset="0"/>
+              </a:rPr>
+              <a:t>купленные</a:t>
+            </a:r>
+            <a:r>
+              <a:rPr lang="en-US" sz="2400" dirty="0">
+                <a:latin typeface="Calibri" panose="020F0502020204030204" pitchFamily="34" charset="0"/>
+                <a:cs typeface="Calibri" panose="020F0502020204030204" pitchFamily="34" charset="0"/>
+              </a:rPr>
+              <a:t>”</a:t>
+            </a:r>
+            <a:r>
+              <a:rPr lang="ru-RU" sz="2400" dirty="0">
+                <a:latin typeface="Calibri" panose="020F0502020204030204" pitchFamily="34" charset="0"/>
+                <a:cs typeface="Calibri" panose="020F0502020204030204" pitchFamily="34" charset="0"/>
+              </a:rPr>
+              <a:t> товары удаляются из </a:t>
+            </a:r>
+            <a:r>
+              <a:rPr lang="ru-RU" sz="2400" dirty="0" err="1">
+                <a:latin typeface="Calibri" panose="020F0502020204030204" pitchFamily="34" charset="0"/>
+                <a:cs typeface="Calibri" panose="020F0502020204030204" pitchFamily="34" charset="0"/>
+              </a:rPr>
+              <a:t>бд</a:t>
+            </a:r>
+            <a:endParaRPr lang="en-US" sz="2400" dirty="0">
+              <a:latin typeface="Calibri" panose="020F0502020204030204" pitchFamily="34" charset="0"/>
+              <a:cs typeface="Calibri" panose="020F0502020204030204" pitchFamily="34" charset="0"/>
+            </a:endParaRPr>
+          </a:p>
+          <a:p>
+            <a:r>
+              <a:rPr lang="en-US" sz="2400" dirty="0">
+                <a:latin typeface="Calibri" panose="020F0502020204030204" pitchFamily="34" charset="0"/>
+                <a:cs typeface="Calibri" panose="020F0502020204030204" pitchFamily="34" charset="0"/>
+              </a:rPr>
+              <a:t>advertisement – </a:t>
+            </a:r>
+            <a:r>
+              <a:rPr lang="ru-RU" sz="2400" dirty="0">
+                <a:latin typeface="Calibri" panose="020F0502020204030204" pitchFamily="34" charset="0"/>
+                <a:cs typeface="Calibri" panose="020F0502020204030204" pitchFamily="34" charset="0"/>
+              </a:rPr>
+              <a:t>контент главной страницы</a:t>
+            </a:r>
+            <a:r>
+              <a:rPr lang="en-US" sz="2400" dirty="0">
+                <a:latin typeface="Calibri" panose="020F0502020204030204" pitchFamily="34" charset="0"/>
+                <a:cs typeface="Calibri" panose="020F0502020204030204" pitchFamily="34" charset="0"/>
+              </a:rPr>
+              <a:t>: </a:t>
+            </a:r>
+            <a:r>
+              <a:rPr lang="ru-RU" sz="2400" dirty="0">
+                <a:latin typeface="Calibri" panose="020F0502020204030204" pitchFamily="34" charset="0"/>
+                <a:cs typeface="Calibri" panose="020F0502020204030204" pitchFamily="34" charset="0"/>
+              </a:rPr>
+              <a:t>заголовок и реклама </a:t>
+            </a:r>
+            <a:endParaRPr lang="en-US" sz="2400" dirty="0">
+              <a:latin typeface="Calibri" panose="020F0502020204030204" pitchFamily="34" charset="0"/>
+              <a:cs typeface="Calibri" panose="020F0502020204030204" pitchFamily="34" charset="0"/>
+            </a:endParaRPr>
+          </a:p>
+        </p:txBody>
+      </p:sp>
     </p:spTree>
     <p:extLst>
       <p:ext uri="{BB962C8B-B14F-4D97-AF65-F5344CB8AC3E}">
-        <p14:creationId xmlns:p14="http://schemas.microsoft.com/office/powerpoint/2010/main" val="1128225740"/>
+        <p14:creationId xmlns:p14="http://schemas.microsoft.com/office/powerpoint/2010/main" val="2499457006"/>
       </p:ext>
     </p:extLst>
   </p:cSld>
@@ -7297,19 +7718,18 @@
               <a:t>Таблица </a:t>
             </a:r>
             <a:r>
-              <a:rPr lang="en-US" dirty="0" err="1"/>
-              <a:t>user_purchases</a:t>
-            </a:r>
-            <a:endParaRPr lang="en-US" dirty="0"/>
+              <a:rPr lang="en-US" dirty="0"/>
+              <a:t>books</a:t>
+            </a:r>
           </a:p>
         </p:txBody>
       </p:sp>
       <p:pic>
         <p:nvPicPr>
-          <p:cNvPr id="7" name="Объект 6">
+          <p:cNvPr id="5" name="Объект 4">
             <a:extLst>
               <a:ext uri="{FF2B5EF4-FFF2-40B4-BE49-F238E27FC236}">
-                <a16:creationId xmlns:a16="http://schemas.microsoft.com/office/drawing/2014/main" id="{8C475672-A26D-81A3-7ED4-4F8179DDC952}"/>
+                <a16:creationId xmlns:a16="http://schemas.microsoft.com/office/drawing/2014/main" id="{BAE48515-F5E0-3C94-3ECA-0364CEE8595F}"/>
               </a:ext>
             </a:extLst>
           </p:cNvPr>
@@ -7328,15 +7748,15 @@
         </p:blipFill>
         <p:spPr>
           <a:xfrm>
-            <a:off x="677334" y="2342509"/>
-            <a:ext cx="6025470" cy="3905891"/>
+            <a:off x="677334" y="1930400"/>
+            <a:ext cx="5052347" cy="4660499"/>
           </a:xfrm>
         </p:spPr>
       </p:pic>
     </p:spTree>
     <p:extLst>
       <p:ext uri="{BB962C8B-B14F-4D97-AF65-F5344CB8AC3E}">
-        <p14:creationId xmlns:p14="http://schemas.microsoft.com/office/powerpoint/2010/main" val="2975821808"/>
+        <p14:creationId xmlns:p14="http://schemas.microsoft.com/office/powerpoint/2010/main" val="1128225740"/>
       </p:ext>
     </p:extLst>
   </p:cSld>

--- a/flask_project_docx/bookshop.pptx
+++ b/flask_project_docx/bookshop.pptx
@@ -6,17 +6,28 @@
   </p:sldMasterIdLst>
   <p:sldIdLst>
     <p:sldId id="256" r:id="rId2"/>
-    <p:sldId id="257" r:id="rId3"/>
-    <p:sldId id="259" r:id="rId4"/>
-    <p:sldId id="260" r:id="rId5"/>
-    <p:sldId id="261" r:id="rId6"/>
-    <p:sldId id="262" r:id="rId7"/>
-    <p:sldId id="268" r:id="rId8"/>
-    <p:sldId id="263" r:id="rId9"/>
-    <p:sldId id="264" r:id="rId10"/>
-    <p:sldId id="267" r:id="rId11"/>
-    <p:sldId id="265" r:id="rId12"/>
-    <p:sldId id="266" r:id="rId13"/>
+    <p:sldId id="279" r:id="rId3"/>
+    <p:sldId id="257" r:id="rId4"/>
+    <p:sldId id="259" r:id="rId5"/>
+    <p:sldId id="280" r:id="rId6"/>
+    <p:sldId id="261" r:id="rId7"/>
+    <p:sldId id="262" r:id="rId8"/>
+    <p:sldId id="268" r:id="rId9"/>
+    <p:sldId id="281" r:id="rId10"/>
+    <p:sldId id="263" r:id="rId11"/>
+    <p:sldId id="264" r:id="rId12"/>
+    <p:sldId id="277" r:id="rId13"/>
+    <p:sldId id="267" r:id="rId14"/>
+    <p:sldId id="265" r:id="rId15"/>
+    <p:sldId id="278" r:id="rId16"/>
+    <p:sldId id="270" r:id="rId17"/>
+    <p:sldId id="269" r:id="rId18"/>
+    <p:sldId id="271" r:id="rId19"/>
+    <p:sldId id="272" r:id="rId20"/>
+    <p:sldId id="273" r:id="rId21"/>
+    <p:sldId id="274" r:id="rId22"/>
+    <p:sldId id="275" r:id="rId23"/>
+    <p:sldId id="276" r:id="rId24"/>
   </p:sldIdLst>
   <p:sldSz cx="12192000" cy="6858000"/>
   <p:notesSz cx="6858000" cy="9144000"/>
@@ -115,7 +126,21 @@
       </a:defRPr>
     </a:lvl9pPr>
   </p:defaultTextStyle>
+  <p:extLst>
+    <p:ext uri="{EFAFB233-063F-42B5-8137-9DF3F51BA10A}">
+      <p15:sldGuideLst xmlns:p15="http://schemas.microsoft.com/office/powerpoint/2012/main"/>
+    </p:ext>
+  </p:extLst>
 </p:presentation>
+</file>
+
+<file path=ppt/revisionInfo.xml><?xml version="1.0" encoding="utf-8"?>
+<p1510:revInfo xmlns:a="http://schemas.openxmlformats.org/drawingml/2006/main" xmlns:r="http://schemas.openxmlformats.org/officeDocument/2006/relationships" xmlns:p1510="http://schemas.microsoft.com/office/powerpoint/2015/10/main">
+  <p1510:revLst>
+    <p1510:client id="{0B9981DA-322E-4409-9711-F0EAEA0DE386}" v="99" dt="2023-04-23T15:52:06.245"/>
+    <p1510:client id="{7D9C6CBF-A22C-4E15-B876-95843FDB4819}" v="338" dt="2023-04-23T17:43:02.830"/>
+  </p1510:revLst>
+</p1510:revInfo>
 </file>
 
 <file path=ppt/slideLayouts/slideLayout1.xml><?xml version="1.0" encoding="utf-8"?>
@@ -699,7 +724,7 @@
               <a:rPr lang="ru-RU"/>
               <a:t>Образец заголовка</a:t>
             </a:r>
-            <a:endParaRPr lang="en-US" dirty="0"/>
+            <a:endParaRPr lang="en-US"/>
           </a:p>
         </p:txBody>
       </p:sp>
@@ -819,7 +844,7 @@
               <a:rPr lang="ru-RU"/>
               <a:t>Образец подзаголовка</a:t>
             </a:r>
-            <a:endParaRPr lang="en-US" dirty="0"/>
+            <a:endParaRPr lang="en-US"/>
           </a:p>
         </p:txBody>
       </p:sp>
@@ -840,7 +865,7 @@
           <a:p>
             <a:fld id="{977E7D0C-D7FB-4D2C-848F-5020BD84B159}" type="datetimeFigureOut">
               <a:rPr lang="en-US" smtClean="0"/>
-              <a:t>4/10/2023</a:t>
+              <a:t>4/24/2023</a:t>
             </a:fld>
             <a:endParaRPr lang="en-US"/>
           </a:p>
@@ -948,7 +973,7 @@
               <a:rPr lang="ru-RU"/>
               <a:t>Образец заголовка</a:t>
             </a:r>
-            <a:endParaRPr lang="en-US" dirty="0"/>
+            <a:endParaRPr lang="en-US"/>
           </a:p>
         </p:txBody>
       </p:sp>
@@ -1091,7 +1116,7 @@
           <a:p>
             <a:fld id="{977E7D0C-D7FB-4D2C-848F-5020BD84B159}" type="datetimeFigureOut">
               <a:rPr lang="en-US" smtClean="0"/>
-              <a:t>4/10/2023</a:t>
+              <a:t>4/24/2023</a:t>
             </a:fld>
             <a:endParaRPr lang="en-US"/>
           </a:p>
@@ -1199,7 +1224,7 @@
               <a:rPr lang="ru-RU"/>
               <a:t>Образец заголовка</a:t>
             </a:r>
-            <a:endParaRPr lang="en-US" dirty="0"/>
+            <a:endParaRPr lang="en-US"/>
           </a:p>
         </p:txBody>
       </p:sp>
@@ -1405,7 +1430,7 @@
           <a:p>
             <a:fld id="{977E7D0C-D7FB-4D2C-848F-5020BD84B159}" type="datetimeFigureOut">
               <a:rPr lang="en-US" smtClean="0"/>
-              <a:t>4/10/2023</a:t>
+              <a:t>4/24/2023</a:t>
             </a:fld>
             <a:endParaRPr lang="en-US"/>
           </a:p>
@@ -1476,7 +1501,7 @@
           <a:p>
             <a:pPr lvl="0"/>
             <a:r>
-              <a:rPr lang="en-US" sz="8000" baseline="0" dirty="0">
+              <a:rPr lang="en-US" sz="8000" baseline="0">
                 <a:ln w="3175" cmpd="sng">
                   <a:noFill/>
                 </a:ln>
@@ -1517,7 +1542,7 @@
           <a:p>
             <a:pPr lvl="0"/>
             <a:r>
-              <a:rPr lang="en-US" sz="8000" baseline="0" dirty="0">
+              <a:rPr lang="en-US" sz="8000" baseline="0">
                 <a:ln w="3175" cmpd="sng">
                   <a:noFill/>
                 </a:ln>
@@ -1531,7 +1556,7 @@
               </a:rPr>
               <a:t>”</a:t>
             </a:r>
-            <a:endParaRPr lang="en-US" dirty="0">
+            <a:endParaRPr lang="en-US">
               <a:solidFill>
                 <a:schemeClr val="accent1">
                   <a:lumMod val="60000"/>
@@ -1603,7 +1628,7 @@
               <a:rPr lang="ru-RU"/>
               <a:t>Образец заголовка</a:t>
             </a:r>
-            <a:endParaRPr lang="en-US" dirty="0"/>
+            <a:endParaRPr lang="en-US"/>
           </a:p>
         </p:txBody>
       </p:sp>
@@ -1746,7 +1771,7 @@
           <a:p>
             <a:fld id="{977E7D0C-D7FB-4D2C-848F-5020BD84B159}" type="datetimeFigureOut">
               <a:rPr lang="en-US" smtClean="0"/>
-              <a:t>4/10/2023</a:t>
+              <a:t>4/24/2023</a:t>
             </a:fld>
             <a:endParaRPr lang="en-US"/>
           </a:p>
@@ -1854,7 +1879,7 @@
               <a:rPr lang="ru-RU"/>
               <a:t>Образец заголовка</a:t>
             </a:r>
-            <a:endParaRPr lang="en-US" dirty="0"/>
+            <a:endParaRPr lang="en-US"/>
           </a:p>
         </p:txBody>
       </p:sp>
@@ -2060,7 +2085,7 @@
           <a:p>
             <a:fld id="{977E7D0C-D7FB-4D2C-848F-5020BD84B159}" type="datetimeFigureOut">
               <a:rPr lang="en-US" smtClean="0"/>
-              <a:t>4/10/2023</a:t>
+              <a:t>4/24/2023</a:t>
             </a:fld>
             <a:endParaRPr lang="en-US"/>
           </a:p>
@@ -2131,7 +2156,7 @@
           <a:p>
             <a:pPr lvl="0"/>
             <a:r>
-              <a:rPr lang="en-US" sz="8000" baseline="0" dirty="0">
+              <a:rPr lang="en-US" sz="8000" baseline="0">
                 <a:ln w="3175" cmpd="sng">
                   <a:noFill/>
                 </a:ln>
@@ -2172,7 +2197,7 @@
           <a:p>
             <a:pPr lvl="0"/>
             <a:r>
-              <a:rPr lang="en-US" sz="8000" baseline="0" dirty="0">
+              <a:rPr lang="en-US" sz="8000" baseline="0">
                 <a:ln w="3175" cmpd="sng">
                   <a:noFill/>
                 </a:ln>
@@ -2250,7 +2275,7 @@
               <a:rPr lang="ru-RU"/>
               <a:t>Образец заголовка</a:t>
             </a:r>
-            <a:endParaRPr lang="en-US" dirty="0"/>
+            <a:endParaRPr lang="en-US"/>
           </a:p>
         </p:txBody>
       </p:sp>
@@ -2453,7 +2478,7 @@
           <a:p>
             <a:fld id="{977E7D0C-D7FB-4D2C-848F-5020BD84B159}" type="datetimeFigureOut">
               <a:rPr lang="en-US" smtClean="0"/>
-              <a:t>4/10/2023</a:t>
+              <a:t>4/24/2023</a:t>
             </a:fld>
             <a:endParaRPr lang="en-US"/>
           </a:p>
@@ -2550,7 +2575,7 @@
               <a:rPr lang="ru-RU"/>
               <a:t>Образец заголовка</a:t>
             </a:r>
-            <a:endParaRPr lang="en-US" dirty="0"/>
+            <a:endParaRPr lang="en-US"/>
           </a:p>
         </p:txBody>
       </p:sp>
@@ -2602,7 +2627,7 @@
               <a:rPr lang="ru-RU"/>
               <a:t>Пятый уровень</a:t>
             </a:r>
-            <a:endParaRPr lang="en-US" dirty="0"/>
+            <a:endParaRPr lang="en-US"/>
           </a:p>
         </p:txBody>
       </p:sp>
@@ -2623,7 +2648,7 @@
           <a:p>
             <a:fld id="{977E7D0C-D7FB-4D2C-848F-5020BD84B159}" type="datetimeFigureOut">
               <a:rPr lang="en-US" smtClean="0"/>
-              <a:t>4/10/2023</a:t>
+              <a:t>4/24/2023</a:t>
             </a:fld>
             <a:endParaRPr lang="en-US"/>
           </a:p>
@@ -2725,7 +2750,7 @@
               <a:rPr lang="ru-RU"/>
               <a:t>Образец заголовка</a:t>
             </a:r>
-            <a:endParaRPr lang="en-US" dirty="0"/>
+            <a:endParaRPr lang="en-US"/>
           </a:p>
         </p:txBody>
       </p:sp>
@@ -2782,7 +2807,7 @@
               <a:rPr lang="ru-RU"/>
               <a:t>Пятый уровень</a:t>
             </a:r>
-            <a:endParaRPr lang="en-US" dirty="0"/>
+            <a:endParaRPr lang="en-US"/>
           </a:p>
         </p:txBody>
       </p:sp>
@@ -2803,7 +2828,7 @@
           <a:p>
             <a:fld id="{977E7D0C-D7FB-4D2C-848F-5020BD84B159}" type="datetimeFigureOut">
               <a:rPr lang="en-US" smtClean="0"/>
-              <a:t>4/10/2023</a:t>
+              <a:t>4/24/2023</a:t>
             </a:fld>
             <a:endParaRPr lang="en-US"/>
           </a:p>
@@ -2906,7 +2931,7 @@
               <a:rPr lang="ru-RU"/>
               <a:t>Образец заголовка</a:t>
             </a:r>
-            <a:endParaRPr lang="en-US" dirty="0"/>
+            <a:endParaRPr lang="en-US"/>
           </a:p>
         </p:txBody>
       </p:sp>
@@ -2958,7 +2983,7 @@
               <a:rPr lang="ru-RU"/>
               <a:t>Пятый уровень</a:t>
             </a:r>
-            <a:endParaRPr lang="en-US" dirty="0"/>
+            <a:endParaRPr lang="en-US"/>
           </a:p>
         </p:txBody>
       </p:sp>
@@ -2979,7 +3004,7 @@
           <a:p>
             <a:fld id="{977E7D0C-D7FB-4D2C-848F-5020BD84B159}" type="datetimeFigureOut">
               <a:rPr lang="en-US" smtClean="0"/>
-              <a:t>4/10/2023</a:t>
+              <a:t>4/24/2023</a:t>
             </a:fld>
             <a:endParaRPr lang="en-US"/>
           </a:p>
@@ -3085,7 +3110,7 @@
               <a:rPr lang="ru-RU"/>
               <a:t>Образец заголовка</a:t>
             </a:r>
-            <a:endParaRPr lang="en-US" dirty="0"/>
+            <a:endParaRPr lang="en-US"/>
           </a:p>
         </p:txBody>
       </p:sp>
@@ -3226,7 +3251,7 @@
           <a:p>
             <a:fld id="{977E7D0C-D7FB-4D2C-848F-5020BD84B159}" type="datetimeFigureOut">
               <a:rPr lang="en-US" smtClean="0"/>
-              <a:t>4/10/2023</a:t>
+              <a:t>4/24/2023</a:t>
             </a:fld>
             <a:endParaRPr lang="en-US"/>
           </a:p>
@@ -3323,7 +3348,7 @@
               <a:rPr lang="ru-RU"/>
               <a:t>Образец заголовка</a:t>
             </a:r>
-            <a:endParaRPr lang="en-US" dirty="0"/>
+            <a:endParaRPr lang="en-US"/>
           </a:p>
         </p:txBody>
       </p:sp>
@@ -3380,7 +3405,7 @@
               <a:rPr lang="ru-RU"/>
               <a:t>Пятый уровень</a:t>
             </a:r>
-            <a:endParaRPr lang="en-US" dirty="0"/>
+            <a:endParaRPr lang="en-US"/>
           </a:p>
         </p:txBody>
       </p:sp>
@@ -3437,7 +3462,7 @@
               <a:rPr lang="ru-RU"/>
               <a:t>Пятый уровень</a:t>
             </a:r>
-            <a:endParaRPr lang="en-US" dirty="0"/>
+            <a:endParaRPr lang="en-US"/>
           </a:p>
         </p:txBody>
       </p:sp>
@@ -3458,7 +3483,7 @@
           <a:p>
             <a:fld id="{977E7D0C-D7FB-4D2C-848F-5020BD84B159}" type="datetimeFigureOut">
               <a:rPr lang="en-US" smtClean="0"/>
-              <a:t>4/10/2023</a:t>
+              <a:t>4/24/2023</a:t>
             </a:fld>
             <a:endParaRPr lang="en-US"/>
           </a:p>
@@ -3559,7 +3584,7 @@
               <a:rPr lang="ru-RU"/>
               <a:t>Образец заголовка</a:t>
             </a:r>
-            <a:endParaRPr lang="en-US" dirty="0"/>
+            <a:endParaRPr lang="en-US"/>
           </a:p>
         </p:txBody>
       </p:sp>
@@ -3685,7 +3710,7 @@
               <a:rPr lang="ru-RU"/>
               <a:t>Пятый уровень</a:t>
             </a:r>
-            <a:endParaRPr lang="en-US" dirty="0"/>
+            <a:endParaRPr lang="en-US"/>
           </a:p>
         </p:txBody>
       </p:sp>
@@ -3811,7 +3836,7 @@
               <a:rPr lang="ru-RU"/>
               <a:t>Пятый уровень</a:t>
             </a:r>
-            <a:endParaRPr lang="en-US" dirty="0"/>
+            <a:endParaRPr lang="en-US"/>
           </a:p>
         </p:txBody>
       </p:sp>
@@ -3832,7 +3857,7 @@
           <a:p>
             <a:fld id="{977E7D0C-D7FB-4D2C-848F-5020BD84B159}" type="datetimeFigureOut">
               <a:rPr lang="en-US" smtClean="0"/>
-              <a:t>4/10/2023</a:t>
+              <a:t>4/24/2023</a:t>
             </a:fld>
             <a:endParaRPr lang="en-US"/>
           </a:p>
@@ -3934,7 +3959,7 @@
               <a:rPr lang="ru-RU"/>
               <a:t>Образец заголовка</a:t>
             </a:r>
-            <a:endParaRPr lang="en-US" dirty="0"/>
+            <a:endParaRPr lang="en-US"/>
           </a:p>
         </p:txBody>
       </p:sp>
@@ -3955,7 +3980,7 @@
           <a:p>
             <a:fld id="{977E7D0C-D7FB-4D2C-848F-5020BD84B159}" type="datetimeFigureOut">
               <a:rPr lang="en-US" smtClean="0"/>
-              <a:t>4/10/2023</a:t>
+              <a:t>4/24/2023</a:t>
             </a:fld>
             <a:endParaRPr lang="en-US"/>
           </a:p>
@@ -4050,7 +4075,7 @@
           <a:p>
             <a:fld id="{977E7D0C-D7FB-4D2C-848F-5020BD84B159}" type="datetimeFigureOut">
               <a:rPr lang="en-US" smtClean="0"/>
-              <a:t>4/10/2023</a:t>
+              <a:t>4/24/2023</a:t>
             </a:fld>
             <a:endParaRPr lang="en-US"/>
           </a:p>
@@ -4158,7 +4183,7 @@
               <a:rPr lang="ru-RU"/>
               <a:t>Образец заголовка</a:t>
             </a:r>
-            <a:endParaRPr lang="en-US" dirty="0"/>
+            <a:endParaRPr lang="en-US"/>
           </a:p>
         </p:txBody>
       </p:sp>
@@ -4217,7 +4242,7 @@
               <a:rPr lang="ru-RU"/>
               <a:t>Пятый уровень</a:t>
             </a:r>
-            <a:endParaRPr lang="en-US" dirty="0"/>
+            <a:endParaRPr lang="en-US"/>
           </a:p>
         </p:txBody>
       </p:sp>
@@ -4305,7 +4330,7 @@
           <a:p>
             <a:fld id="{977E7D0C-D7FB-4D2C-848F-5020BD84B159}" type="datetimeFigureOut">
               <a:rPr lang="en-US" smtClean="0"/>
-              <a:t>4/10/2023</a:t>
+              <a:t>4/24/2023</a:t>
             </a:fld>
             <a:endParaRPr lang="en-US"/>
           </a:p>
@@ -4413,7 +4438,7 @@
               <a:rPr lang="ru-RU"/>
               <a:t>Образец заголовка</a:t>
             </a:r>
-            <a:endParaRPr lang="en-US" dirty="0"/>
+            <a:endParaRPr lang="en-US"/>
           </a:p>
         </p:txBody>
       </p:sp>
@@ -4480,7 +4505,7 @@
               <a:rPr lang="ru-RU"/>
               <a:t>Вставка рисунка</a:t>
             </a:r>
-            <a:endParaRPr lang="en-US" dirty="0"/>
+            <a:endParaRPr lang="en-US"/>
           </a:p>
         </p:txBody>
       </p:sp>
@@ -4568,7 +4593,7 @@
           <a:p>
             <a:fld id="{977E7D0C-D7FB-4D2C-848F-5020BD84B159}" type="datetimeFigureOut">
               <a:rPr lang="en-US" smtClean="0"/>
-              <a:t>4/10/2023</a:t>
+              <a:t>4/24/2023</a:t>
             </a:fld>
             <a:endParaRPr lang="en-US"/>
           </a:p>
@@ -5210,7 +5235,7 @@
               <a:rPr lang="ru-RU"/>
               <a:t>Образец заголовка</a:t>
             </a:r>
-            <a:endParaRPr lang="en-US" dirty="0"/>
+            <a:endParaRPr lang="en-US"/>
           </a:p>
         </p:txBody>
       </p:sp>
@@ -5272,7 +5297,7 @@
               <a:rPr lang="ru-RU"/>
               <a:t>Пятый уровень</a:t>
             </a:r>
-            <a:endParaRPr lang="en-US" dirty="0"/>
+            <a:endParaRPr lang="en-US"/>
           </a:p>
         </p:txBody>
       </p:sp>
@@ -5311,7 +5336,7 @@
           <a:p>
             <a:fld id="{977E7D0C-D7FB-4D2C-848F-5020BD84B159}" type="datetimeFigureOut">
               <a:rPr lang="en-US" smtClean="0"/>
-              <a:t>4/10/2023</a:t>
+              <a:t>4/24/2023</a:t>
             </a:fld>
             <a:endParaRPr lang="en-US"/>
           </a:p>
@@ -5857,10 +5882,10 @@
           <a:lstStyle/>
           <a:p>
             <a:r>
-              <a:rPr lang="ru-RU" dirty="0"/>
+              <a:rPr lang="ru-RU"/>
               <a:t>Книжный интернет-магазин</a:t>
             </a:r>
-            <a:endParaRPr lang="en-US" dirty="0"/>
+            <a:endParaRPr lang="en-US"/>
           </a:p>
         </p:txBody>
       </p:sp>
@@ -5891,30 +5916,30 @@
           <a:lstStyle/>
           <a:p>
             <a:r>
-              <a:rPr lang="ru-RU" dirty="0"/>
+              <a:rPr lang="ru-RU"/>
               <a:t>Авторы</a:t>
             </a:r>
             <a:r>
-              <a:rPr lang="en-US" dirty="0"/>
+              <a:rPr lang="en-US"/>
               <a:t>: </a:t>
             </a:r>
             <a:r>
-              <a:rPr lang="ru-RU" dirty="0"/>
+              <a:rPr lang="ru-RU"/>
               <a:t>Балаева Елена</a:t>
             </a:r>
             <a:r>
-              <a:rPr lang="en-US" dirty="0"/>
+              <a:rPr lang="en-US"/>
               <a:t>, </a:t>
             </a:r>
             <a:r>
-              <a:rPr lang="ru-RU" dirty="0" err="1"/>
+              <a:rPr lang="ru-RU" err="1"/>
               <a:t>Чипижная</a:t>
             </a:r>
             <a:r>
-              <a:rPr lang="ru-RU" dirty="0"/>
+              <a:rPr lang="ru-RU"/>
               <a:t> Элина</a:t>
             </a:r>
-            <a:endParaRPr lang="en-US" dirty="0"/>
+            <a:endParaRPr lang="en-US"/>
           </a:p>
         </p:txBody>
       </p:sp>
@@ -5953,7 +5978,7 @@
           <p:cNvPr id="2" name="Заголовок 1">
             <a:extLst>
               <a:ext uri="{FF2B5EF4-FFF2-40B4-BE49-F238E27FC236}">
-                <a16:creationId xmlns:a16="http://schemas.microsoft.com/office/drawing/2014/main" id="{2EFA11F4-7FB0-BAFE-01F8-58D2FD11B359}"/>
+                <a16:creationId xmlns:a16="http://schemas.microsoft.com/office/drawing/2014/main" id="{A8D487D4-C4C1-A3BA-8B58-F9EC7F898CE1}"/>
               </a:ext>
             </a:extLst>
           </p:cNvPr>
@@ -5971,72 +5996,56 @@
           <a:p>
             <a:r>
               <a:rPr lang="ru-RU" dirty="0"/>
-              <a:t>Администратор</a:t>
-            </a:r>
-            <a:endParaRPr lang="en-US" dirty="0"/>
-          </a:p>
-        </p:txBody>
-      </p:sp>
-      <p:sp>
-        <p:nvSpPr>
-          <p:cNvPr id="3" name="Объект 2">
+              <a:t>Структура базы данных</a:t>
+            </a:r>
+            <a:r>
+              <a:rPr lang="en-US" dirty="0"/>
+              <a:t>. </a:t>
+            </a:r>
+            <a:r>
+              <a:rPr lang="ru-RU" dirty="0"/>
+              <a:t>Таблица </a:t>
+            </a:r>
+            <a:r>
+              <a:rPr lang="en-US" dirty="0"/>
+              <a:t>books</a:t>
+            </a:r>
+          </a:p>
+        </p:txBody>
+      </p:sp>
+      <p:pic>
+        <p:nvPicPr>
+          <p:cNvPr id="5" name="Объект 4">
             <a:extLst>
               <a:ext uri="{FF2B5EF4-FFF2-40B4-BE49-F238E27FC236}">
-                <a16:creationId xmlns:a16="http://schemas.microsoft.com/office/drawing/2014/main" id="{7B682DB4-6197-F3C4-31C9-20DA5153E9F9}"/>
+                <a16:creationId xmlns:a16="http://schemas.microsoft.com/office/drawing/2014/main" id="{BAE48515-F5E0-3C94-3ECA-0364CEE8595F}"/>
               </a:ext>
             </a:extLst>
           </p:cNvPr>
-          <p:cNvSpPr>
-            <a:spLocks noGrp="1"/>
-          </p:cNvSpPr>
+          <p:cNvPicPr>
+            <a:picLocks noGrp="1" noChangeAspect="1"/>
+          </p:cNvPicPr>
           <p:nvPr>
             <p:ph idx="1"/>
           </p:nvPr>
-        </p:nvSpPr>
-        <p:spPr/>
-        <p:txBody>
-          <a:bodyPr>
-            <a:normAutofit/>
-          </a:bodyPr>
-          <a:lstStyle/>
-          <a:p>
-            <a:r>
-              <a:rPr lang="ru-RU" sz="2800" dirty="0">
-                <a:latin typeface="Calibri" panose="020F0502020204030204" pitchFamily="34" charset="0"/>
-                <a:cs typeface="Calibri" panose="020F0502020204030204" pitchFamily="34" charset="0"/>
-              </a:rPr>
-              <a:t>В полномочия администратора входит добавление</a:t>
-            </a:r>
-            <a:r>
-              <a:rPr lang="en-US" sz="2800" dirty="0">
-                <a:latin typeface="Calibri" panose="020F0502020204030204" pitchFamily="34" charset="0"/>
-                <a:cs typeface="Calibri" panose="020F0502020204030204" pitchFamily="34" charset="0"/>
-              </a:rPr>
-              <a:t>, </a:t>
-            </a:r>
-            <a:r>
-              <a:rPr lang="ru-RU" sz="2800" dirty="0">
-                <a:latin typeface="Calibri" panose="020F0502020204030204" pitchFamily="34" charset="0"/>
-                <a:cs typeface="Calibri" panose="020F0502020204030204" pitchFamily="34" charset="0"/>
-              </a:rPr>
-              <a:t>удаление и редактирование книг в каталоге</a:t>
-            </a:r>
-          </a:p>
-          <a:p>
-            <a:pPr marL="0" indent="0">
-              <a:buNone/>
-            </a:pPr>
-            <a:endParaRPr lang="en-US" sz="2800" dirty="0">
-              <a:latin typeface="Calibri" panose="020F0502020204030204" pitchFamily="34" charset="0"/>
-              <a:cs typeface="Calibri" panose="020F0502020204030204" pitchFamily="34" charset="0"/>
-            </a:endParaRPr>
-          </a:p>
-        </p:txBody>
-      </p:sp>
+        </p:nvPicPr>
+        <p:blipFill>
+          <a:blip r:embed="rId2"/>
+          <a:stretch>
+            <a:fillRect/>
+          </a:stretch>
+        </p:blipFill>
+        <p:spPr>
+          <a:xfrm>
+            <a:off x="677334" y="1930400"/>
+            <a:ext cx="5052347" cy="4660499"/>
+          </a:xfrm>
+        </p:spPr>
+      </p:pic>
     </p:spTree>
     <p:extLst>
       <p:ext uri="{BB962C8B-B14F-4D97-AF65-F5344CB8AC3E}">
-        <p14:creationId xmlns:p14="http://schemas.microsoft.com/office/powerpoint/2010/main" val="1822497446"/>
+        <p14:creationId xmlns:p14="http://schemas.microsoft.com/office/powerpoint/2010/main" val="1128225740"/>
       </p:ext>
     </p:extLst>
   </p:cSld>
@@ -6068,6 +6077,362 @@
           <p:cNvPr id="2" name="Заголовок 1">
             <a:extLst>
               <a:ext uri="{FF2B5EF4-FFF2-40B4-BE49-F238E27FC236}">
+                <a16:creationId xmlns:a16="http://schemas.microsoft.com/office/drawing/2014/main" id="{A8D487D4-C4C1-A3BA-8B58-F9EC7F898CE1}"/>
+              </a:ext>
+            </a:extLst>
+          </p:cNvPr>
+          <p:cNvSpPr>
+            <a:spLocks noGrp="1"/>
+          </p:cNvSpPr>
+          <p:nvPr>
+            <p:ph type="title"/>
+          </p:nvPr>
+        </p:nvSpPr>
+        <p:spPr/>
+        <p:txBody>
+          <a:bodyPr/>
+          <a:lstStyle/>
+          <a:p>
+            <a:r>
+              <a:rPr lang="ru-RU"/>
+              <a:t>Структура базы данных</a:t>
+            </a:r>
+            <a:r>
+              <a:rPr lang="en-US"/>
+              <a:t>. </a:t>
+            </a:r>
+            <a:r>
+              <a:rPr lang="ru-RU"/>
+              <a:t>Таблица </a:t>
+            </a:r>
+            <a:r>
+              <a:rPr lang="en-US" err="1"/>
+              <a:t>user_purchases</a:t>
+            </a:r>
+            <a:endParaRPr lang="en-US"/>
+          </a:p>
+        </p:txBody>
+      </p:sp>
+      <p:pic>
+        <p:nvPicPr>
+          <p:cNvPr id="7" name="Объект 6">
+            <a:extLst>
+              <a:ext uri="{FF2B5EF4-FFF2-40B4-BE49-F238E27FC236}">
+                <a16:creationId xmlns:a16="http://schemas.microsoft.com/office/drawing/2014/main" id="{8C475672-A26D-81A3-7ED4-4F8179DDC952}"/>
+              </a:ext>
+            </a:extLst>
+          </p:cNvPr>
+          <p:cNvPicPr>
+            <a:picLocks noGrp="1" noChangeAspect="1"/>
+          </p:cNvPicPr>
+          <p:nvPr>
+            <p:ph idx="1"/>
+          </p:nvPr>
+        </p:nvPicPr>
+        <p:blipFill>
+          <a:blip r:embed="rId2"/>
+          <a:stretch>
+            <a:fillRect/>
+          </a:stretch>
+        </p:blipFill>
+        <p:spPr>
+          <a:xfrm>
+            <a:off x="677334" y="2342509"/>
+            <a:ext cx="6025470" cy="3905891"/>
+          </a:xfrm>
+        </p:spPr>
+      </p:pic>
+    </p:spTree>
+    <p:extLst>
+      <p:ext uri="{BB962C8B-B14F-4D97-AF65-F5344CB8AC3E}">
+        <p14:creationId xmlns:p14="http://schemas.microsoft.com/office/powerpoint/2010/main" val="2975821808"/>
+      </p:ext>
+    </p:extLst>
+  </p:cSld>
+  <p:clrMapOvr>
+    <a:masterClrMapping/>
+  </p:clrMapOvr>
+</p:sld>
+</file>
+
+<file path=ppt/slides/slide12.xml><?xml version="1.0" encoding="utf-8"?>
+<p:sld xmlns:a="http://schemas.openxmlformats.org/drawingml/2006/main" xmlns:r="http://schemas.openxmlformats.org/officeDocument/2006/relationships" xmlns:p="http://schemas.openxmlformats.org/presentationml/2006/main">
+  <p:cSld>
+    <p:spTree>
+      <p:nvGrpSpPr>
+        <p:cNvPr id="1" name=""/>
+        <p:cNvGrpSpPr/>
+        <p:nvPr/>
+      </p:nvGrpSpPr>
+      <p:grpSpPr>
+        <a:xfrm>
+          <a:off x="0" y="0"/>
+          <a:ext cx="0" cy="0"/>
+          <a:chOff x="0" y="0"/>
+          <a:chExt cx="0" cy="0"/>
+        </a:xfrm>
+      </p:grpSpPr>
+      <p:sp>
+        <p:nvSpPr>
+          <p:cNvPr id="2" name="Заголовок 1">
+            <a:extLst>
+              <a:ext uri="{FF2B5EF4-FFF2-40B4-BE49-F238E27FC236}">
+                <a16:creationId xmlns:a16="http://schemas.microsoft.com/office/drawing/2014/main" id="{0B3483C7-9267-D063-05E4-7668B0AD9B74}"/>
+              </a:ext>
+            </a:extLst>
+          </p:cNvPr>
+          <p:cNvSpPr>
+            <a:spLocks noGrp="1"/>
+          </p:cNvSpPr>
+          <p:nvPr>
+            <p:ph type="title"/>
+          </p:nvPr>
+        </p:nvSpPr>
+        <p:spPr/>
+        <p:txBody>
+          <a:bodyPr/>
+          <a:lstStyle/>
+          <a:p>
+            <a:r>
+              <a:rPr lang="ru-RU" dirty="0"/>
+              <a:t>Структура базы данных</a:t>
+            </a:r>
+            <a:r>
+              <a:rPr lang="en-US" dirty="0"/>
+              <a:t>. </a:t>
+            </a:r>
+            <a:r>
+              <a:rPr lang="ru-RU" dirty="0"/>
+              <a:t>Таблица </a:t>
+            </a:r>
+            <a:r>
+              <a:rPr lang="en-US" dirty="0"/>
+              <a:t>advertisement</a:t>
+            </a:r>
+          </a:p>
+        </p:txBody>
+      </p:sp>
+      <p:pic>
+        <p:nvPicPr>
+          <p:cNvPr id="4" name="Объект 4">
+            <a:extLst>
+              <a:ext uri="{FF2B5EF4-FFF2-40B4-BE49-F238E27FC236}">
+                <a16:creationId xmlns:a16="http://schemas.microsoft.com/office/drawing/2014/main" id="{7D40B5E1-C472-9EED-3E4D-B4A75AE8FD76}"/>
+              </a:ext>
+            </a:extLst>
+          </p:cNvPr>
+          <p:cNvPicPr>
+            <a:picLocks noGrp="1" noChangeAspect="1"/>
+          </p:cNvPicPr>
+          <p:nvPr>
+            <p:ph idx="1"/>
+          </p:nvPr>
+        </p:nvPicPr>
+        <p:blipFill>
+          <a:blip r:embed="rId2"/>
+          <a:stretch>
+            <a:fillRect/>
+          </a:stretch>
+        </p:blipFill>
+        <p:spPr>
+          <a:xfrm>
+            <a:off x="677334" y="2447925"/>
+            <a:ext cx="4667250" cy="3800475"/>
+          </a:xfrm>
+        </p:spPr>
+      </p:pic>
+    </p:spTree>
+    <p:extLst>
+      <p:ext uri="{BB962C8B-B14F-4D97-AF65-F5344CB8AC3E}">
+        <p14:creationId xmlns:p14="http://schemas.microsoft.com/office/powerpoint/2010/main" val="4278857592"/>
+      </p:ext>
+    </p:extLst>
+  </p:cSld>
+  <p:clrMapOvr>
+    <a:masterClrMapping/>
+  </p:clrMapOvr>
+</p:sld>
+</file>
+
+<file path=ppt/slides/slide13.xml><?xml version="1.0" encoding="utf-8"?>
+<p:sld xmlns:a="http://schemas.openxmlformats.org/drawingml/2006/main" xmlns:r="http://schemas.openxmlformats.org/officeDocument/2006/relationships" xmlns:p="http://schemas.openxmlformats.org/presentationml/2006/main">
+  <p:cSld>
+    <p:spTree>
+      <p:nvGrpSpPr>
+        <p:cNvPr id="1" name=""/>
+        <p:cNvGrpSpPr/>
+        <p:nvPr/>
+      </p:nvGrpSpPr>
+      <p:grpSpPr>
+        <a:xfrm>
+          <a:off x="0" y="0"/>
+          <a:ext cx="0" cy="0"/>
+          <a:chOff x="0" y="0"/>
+          <a:chExt cx="0" cy="0"/>
+        </a:xfrm>
+      </p:grpSpPr>
+      <p:sp>
+        <p:nvSpPr>
+          <p:cNvPr id="2" name="Заголовок 1">
+            <a:extLst>
+              <a:ext uri="{FF2B5EF4-FFF2-40B4-BE49-F238E27FC236}">
+                <a16:creationId xmlns:a16="http://schemas.microsoft.com/office/drawing/2014/main" id="{2EFA11F4-7FB0-BAFE-01F8-58D2FD11B359}"/>
+              </a:ext>
+            </a:extLst>
+          </p:cNvPr>
+          <p:cNvSpPr>
+            <a:spLocks noGrp="1"/>
+          </p:cNvSpPr>
+          <p:nvPr>
+            <p:ph type="title"/>
+          </p:nvPr>
+        </p:nvSpPr>
+        <p:spPr/>
+        <p:txBody>
+          <a:bodyPr/>
+          <a:lstStyle/>
+          <a:p>
+            <a:r>
+              <a:rPr lang="ru-RU"/>
+              <a:t>Администратор</a:t>
+            </a:r>
+            <a:endParaRPr lang="en-US"/>
+          </a:p>
+        </p:txBody>
+      </p:sp>
+      <p:sp>
+        <p:nvSpPr>
+          <p:cNvPr id="3" name="Объект 2">
+            <a:extLst>
+              <a:ext uri="{FF2B5EF4-FFF2-40B4-BE49-F238E27FC236}">
+                <a16:creationId xmlns:a16="http://schemas.microsoft.com/office/drawing/2014/main" id="{7B682DB4-6197-F3C4-31C9-20DA5153E9F9}"/>
+              </a:ext>
+            </a:extLst>
+          </p:cNvPr>
+          <p:cNvSpPr>
+            <a:spLocks noGrp="1"/>
+          </p:cNvSpPr>
+          <p:nvPr>
+            <p:ph idx="1"/>
+          </p:nvPr>
+        </p:nvSpPr>
+        <p:spPr/>
+        <p:txBody>
+          <a:bodyPr vert="horz" lIns="91440" tIns="45720" rIns="91440" bIns="45720" rtlCol="0" anchor="t">
+            <a:normAutofit/>
+          </a:bodyPr>
+          <a:lstStyle/>
+          <a:p>
+            <a:r>
+              <a:rPr lang="ru-RU" sz="2800" dirty="0">
+                <a:latin typeface="Calibri" panose="020F0502020204030204" pitchFamily="34" charset="0"/>
+                <a:cs typeface="Calibri" panose="020F0502020204030204" pitchFamily="34" charset="0"/>
+              </a:rPr>
+              <a:t>В полномочия администратора входит добавление</a:t>
+            </a:r>
+            <a:r>
+              <a:rPr lang="en-US" sz="2800" dirty="0">
+                <a:latin typeface="Calibri" panose="020F0502020204030204" pitchFamily="34" charset="0"/>
+                <a:cs typeface="Calibri" panose="020F0502020204030204" pitchFamily="34" charset="0"/>
+              </a:rPr>
+              <a:t>, </a:t>
+            </a:r>
+            <a:r>
+              <a:rPr lang="ru-RU" sz="2800" dirty="0">
+                <a:latin typeface="Calibri" panose="020F0502020204030204" pitchFamily="34" charset="0"/>
+                <a:cs typeface="Calibri" panose="020F0502020204030204" pitchFamily="34" charset="0"/>
+              </a:rPr>
+              <a:t>удаление и редактирование книг в каталоге</a:t>
+            </a:r>
+            <a:r>
+              <a:rPr lang="en-US" sz="2800" dirty="0">
+                <a:latin typeface="Calibri" panose="020F0502020204030204" pitchFamily="34" charset="0"/>
+                <a:cs typeface="Calibri" panose="020F0502020204030204" pitchFamily="34" charset="0"/>
+              </a:rPr>
+              <a:t>, </a:t>
+            </a:r>
+            <a:r>
+              <a:rPr lang="ru-RU" sz="2800" dirty="0">
+                <a:latin typeface="Calibri" panose="020F0502020204030204" pitchFamily="34" charset="0"/>
+                <a:cs typeface="Calibri" panose="020F0502020204030204" pitchFamily="34" charset="0"/>
+              </a:rPr>
+              <a:t>удаление пользователей</a:t>
+            </a:r>
+            <a:r>
+              <a:rPr lang="en-US" sz="2800" dirty="0">
+                <a:latin typeface="Calibri" panose="020F0502020204030204" pitchFamily="34" charset="0"/>
+                <a:cs typeface="Calibri" panose="020F0502020204030204" pitchFamily="34" charset="0"/>
+              </a:rPr>
+              <a:t>, </a:t>
+            </a:r>
+            <a:r>
+              <a:rPr lang="ru-RU" sz="2800" dirty="0">
+                <a:latin typeface="Calibri" panose="020F0502020204030204" pitchFamily="34" charset="0"/>
+                <a:cs typeface="Calibri" panose="020F0502020204030204" pitchFamily="34" charset="0"/>
+              </a:rPr>
+              <a:t>повышение статуса пользователя до администратора</a:t>
+            </a:r>
+            <a:r>
+              <a:rPr lang="en-US" sz="2800" dirty="0">
+                <a:latin typeface="Calibri" panose="020F0502020204030204" pitchFamily="34" charset="0"/>
+                <a:cs typeface="Calibri" panose="020F0502020204030204" pitchFamily="34" charset="0"/>
+              </a:rPr>
+              <a:t>, </a:t>
+            </a:r>
+            <a:r>
+              <a:rPr lang="ru-RU" sz="2800" dirty="0">
+                <a:latin typeface="Calibri" panose="020F0502020204030204" pitchFamily="34" charset="0"/>
+                <a:cs typeface="Calibri" panose="020F0502020204030204" pitchFamily="34" charset="0"/>
+              </a:rPr>
+              <a:t>редактирование рекламы</a:t>
+            </a:r>
+          </a:p>
+          <a:p>
+            <a:pPr marL="0" indent="0">
+              <a:buNone/>
+            </a:pPr>
+            <a:endParaRPr lang="en-US" sz="2800" dirty="0">
+              <a:latin typeface="Calibri" panose="020F0502020204030204" pitchFamily="34" charset="0"/>
+              <a:cs typeface="Calibri" panose="020F0502020204030204" pitchFamily="34" charset="0"/>
+            </a:endParaRPr>
+          </a:p>
+        </p:txBody>
+      </p:sp>
+    </p:spTree>
+    <p:extLst>
+      <p:ext uri="{BB962C8B-B14F-4D97-AF65-F5344CB8AC3E}">
+        <p14:creationId xmlns:p14="http://schemas.microsoft.com/office/powerpoint/2010/main" val="1822497446"/>
+      </p:ext>
+    </p:extLst>
+  </p:cSld>
+  <p:clrMapOvr>
+    <a:masterClrMapping/>
+  </p:clrMapOvr>
+</p:sld>
+</file>
+
+<file path=ppt/slides/slide14.xml><?xml version="1.0" encoding="utf-8"?>
+<p:sld xmlns:a="http://schemas.openxmlformats.org/drawingml/2006/main" xmlns:r="http://schemas.openxmlformats.org/officeDocument/2006/relationships" xmlns:p="http://schemas.openxmlformats.org/presentationml/2006/main">
+  <p:cSld>
+    <p:spTree>
+      <p:nvGrpSpPr>
+        <p:cNvPr id="1" name=""/>
+        <p:cNvGrpSpPr/>
+        <p:nvPr/>
+      </p:nvGrpSpPr>
+      <p:grpSpPr>
+        <a:xfrm>
+          <a:off x="0" y="0"/>
+          <a:ext cx="0" cy="0"/>
+          <a:chOff x="0" y="0"/>
+          <a:chExt cx="0" cy="0"/>
+        </a:xfrm>
+      </p:grpSpPr>
+      <p:sp>
+        <p:nvSpPr>
+          <p:cNvPr id="2" name="Заголовок 1">
+            <a:extLst>
+              <a:ext uri="{FF2B5EF4-FFF2-40B4-BE49-F238E27FC236}">
                 <a16:creationId xmlns:a16="http://schemas.microsoft.com/office/drawing/2014/main" id="{314C97DE-867A-4B82-5A3F-55B087C2CDF9}"/>
               </a:ext>
             </a:extLst>
@@ -6085,10 +6450,10 @@
           <a:lstStyle/>
           <a:p>
             <a:r>
-              <a:rPr lang="ru-RU" dirty="0"/>
+              <a:rPr lang="ru-RU"/>
               <a:t>Возможности администратора</a:t>
             </a:r>
-            <a:endParaRPr lang="en-US" dirty="0"/>
+            <a:endParaRPr lang="en-US"/>
           </a:p>
         </p:txBody>
       </p:sp>
@@ -6134,7 +6499,7 @@
 </p:sld>
 </file>
 
-<file path=ppt/slides/slide12.xml><?xml version="1.0" encoding="utf-8"?>
+<file path=ppt/slides/slide15.xml><?xml version="1.0" encoding="utf-8"?>
 <p:sld xmlns:a="http://schemas.openxmlformats.org/drawingml/2006/main" xmlns:r="http://schemas.openxmlformats.org/officeDocument/2006/relationships" xmlns:p="http://schemas.openxmlformats.org/presentationml/2006/main">
   <p:cSld>
     <p:spTree>
@@ -6151,12 +6516,41 @@
           <a:chExt cx="0" cy="0"/>
         </a:xfrm>
       </p:grpSpPr>
+      <p:sp>
+        <p:nvSpPr>
+          <p:cNvPr id="2" name="Заголовок 1">
+            <a:extLst>
+              <a:ext uri="{FF2B5EF4-FFF2-40B4-BE49-F238E27FC236}">
+                <a16:creationId xmlns:a16="http://schemas.microsoft.com/office/drawing/2014/main" id="{85B20345-BEDC-7CBE-8A73-C008AEAFD8C4}"/>
+              </a:ext>
+            </a:extLst>
+          </p:cNvPr>
+          <p:cNvSpPr>
+            <a:spLocks noGrp="1"/>
+          </p:cNvSpPr>
+          <p:nvPr>
+            <p:ph type="title"/>
+          </p:nvPr>
+        </p:nvSpPr>
+        <p:spPr/>
+        <p:txBody>
+          <a:bodyPr/>
+          <a:lstStyle/>
+          <a:p>
+            <a:r>
+              <a:rPr lang="ru-RU" dirty="0"/>
+              <a:t>Редактирование книги</a:t>
+            </a:r>
+            <a:endParaRPr lang="en-US" dirty="0"/>
+          </a:p>
+        </p:txBody>
+      </p:sp>
       <p:pic>
         <p:nvPicPr>
-          <p:cNvPr id="5" name="Объект 4">
+          <p:cNvPr id="4" name="Объект 5">
             <a:extLst>
               <a:ext uri="{FF2B5EF4-FFF2-40B4-BE49-F238E27FC236}">
-                <a16:creationId xmlns:a16="http://schemas.microsoft.com/office/drawing/2014/main" id="{BD5ACF00-8FF9-205F-26DF-BA1396C63627}"/>
+                <a16:creationId xmlns:a16="http://schemas.microsoft.com/office/drawing/2014/main" id="{B16F3EFD-C1BB-5F41-A104-1EC83F7FC7F8}"/>
               </a:ext>
             </a:extLst>
           </p:cNvPr>
@@ -6175,45 +6569,406 @@
         </p:blipFill>
         <p:spPr>
           <a:xfrm>
-            <a:off x="828336" y="632603"/>
-            <a:ext cx="7451046" cy="3881437"/>
+            <a:off x="677334" y="2034754"/>
+            <a:ext cx="8380732" cy="4213646"/>
           </a:xfrm>
         </p:spPr>
       </p:pic>
+    </p:spTree>
+    <p:extLst>
+      <p:ext uri="{BB962C8B-B14F-4D97-AF65-F5344CB8AC3E}">
+        <p14:creationId xmlns:p14="http://schemas.microsoft.com/office/powerpoint/2010/main" val="2681400159"/>
+      </p:ext>
+    </p:extLst>
+  </p:cSld>
+  <p:clrMapOvr>
+    <a:masterClrMapping/>
+  </p:clrMapOvr>
+</p:sld>
+</file>
+
+<file path=ppt/slides/slide16.xml><?xml version="1.0" encoding="utf-8"?>
+<p:sld xmlns:a="http://schemas.openxmlformats.org/drawingml/2006/main" xmlns:r="http://schemas.openxmlformats.org/officeDocument/2006/relationships" xmlns:p="http://schemas.openxmlformats.org/presentationml/2006/main">
+  <p:cSld>
+    <p:spTree>
+      <p:nvGrpSpPr>
+        <p:cNvPr id="1" name=""/>
+        <p:cNvGrpSpPr/>
+        <p:nvPr/>
+      </p:nvGrpSpPr>
+      <p:grpSpPr>
+        <a:xfrm>
+          <a:off x="0" y="0"/>
+          <a:ext cx="0" cy="0"/>
+          <a:chOff x="0" y="0"/>
+          <a:chExt cx="0" cy="0"/>
+        </a:xfrm>
+      </p:grpSpPr>
+      <p:sp>
+        <p:nvSpPr>
+          <p:cNvPr id="2" name="Заголовок 1">
+            <a:extLst>
+              <a:ext uri="{FF2B5EF4-FFF2-40B4-BE49-F238E27FC236}">
+                <a16:creationId xmlns:a16="http://schemas.microsoft.com/office/drawing/2014/main" id="{EB150C80-F64E-458C-9E07-5DD5897007EF}"/>
+              </a:ext>
+            </a:extLst>
+          </p:cNvPr>
+          <p:cNvSpPr>
+            <a:spLocks noGrp="1"/>
+          </p:cNvSpPr>
+          <p:nvPr>
+            <p:ph type="title"/>
+          </p:nvPr>
+        </p:nvSpPr>
+        <p:spPr/>
+        <p:txBody>
+          <a:bodyPr/>
+          <a:lstStyle/>
+          <a:p>
+            <a:r>
+              <a:rPr lang="ru-RU" dirty="0"/>
+              <a:t>Редактирование рекламы</a:t>
+            </a:r>
+          </a:p>
+        </p:txBody>
+      </p:sp>
       <p:pic>
         <p:nvPicPr>
-          <p:cNvPr id="7" name="Рисунок 6">
+          <p:cNvPr id="4" name="Рисунок 4">
             <a:extLst>
               <a:ext uri="{FF2B5EF4-FFF2-40B4-BE49-F238E27FC236}">
-                <a16:creationId xmlns:a16="http://schemas.microsoft.com/office/drawing/2014/main" id="{94F97752-B9DB-928E-8EDD-AE298ADDDA81}"/>
+                <a16:creationId xmlns:a16="http://schemas.microsoft.com/office/drawing/2014/main" id="{08747DAB-E2BB-E4A8-8E3F-0EE998B4F6A1}"/>
               </a:ext>
             </a:extLst>
           </p:cNvPr>
           <p:cNvPicPr>
-            <a:picLocks noChangeAspect="1"/>
+            <a:picLocks noGrp="1" noChangeAspect="1"/>
           </p:cNvPicPr>
-          <p:nvPr/>
+          <p:nvPr>
+            <p:ph idx="1"/>
+          </p:nvPr>
         </p:nvPicPr>
         <p:blipFill>
-          <a:blip r:embed="rId3"/>
+          <a:blip r:embed="rId2"/>
           <a:stretch>
             <a:fillRect/>
           </a:stretch>
         </p:blipFill>
         <p:spPr>
           <a:xfrm>
-            <a:off x="828336" y="4801245"/>
-            <a:ext cx="7451046" cy="1818434"/>
+            <a:off x="837187" y="2160589"/>
+            <a:ext cx="8276961" cy="3880773"/>
           </a:xfrm>
-          <a:prstGeom prst="rect">
-            <a:avLst/>
-          </a:prstGeom>
         </p:spPr>
       </p:pic>
     </p:spTree>
     <p:extLst>
       <p:ext uri="{BB962C8B-B14F-4D97-AF65-F5344CB8AC3E}">
-        <p14:creationId xmlns:p14="http://schemas.microsoft.com/office/powerpoint/2010/main" val="749704789"/>
+        <p14:creationId xmlns:p14="http://schemas.microsoft.com/office/powerpoint/2010/main" val="2200227889"/>
+      </p:ext>
+    </p:extLst>
+  </p:cSld>
+  <p:clrMapOvr>
+    <a:masterClrMapping/>
+  </p:clrMapOvr>
+</p:sld>
+</file>
+
+<file path=ppt/slides/slide17.xml><?xml version="1.0" encoding="utf-8"?>
+<p:sld xmlns:a="http://schemas.openxmlformats.org/drawingml/2006/main" xmlns:r="http://schemas.openxmlformats.org/officeDocument/2006/relationships" xmlns:p="http://schemas.openxmlformats.org/presentationml/2006/main">
+  <p:cSld>
+    <p:spTree>
+      <p:nvGrpSpPr>
+        <p:cNvPr id="1" name=""/>
+        <p:cNvGrpSpPr/>
+        <p:nvPr/>
+      </p:nvGrpSpPr>
+      <p:grpSpPr>
+        <a:xfrm>
+          <a:off x="0" y="0"/>
+          <a:ext cx="0" cy="0"/>
+          <a:chOff x="0" y="0"/>
+          <a:chExt cx="0" cy="0"/>
+        </a:xfrm>
+      </p:grpSpPr>
+      <p:sp>
+        <p:nvSpPr>
+          <p:cNvPr id="2" name="Заголовок 1">
+            <a:extLst>
+              <a:ext uri="{FF2B5EF4-FFF2-40B4-BE49-F238E27FC236}">
+                <a16:creationId xmlns:a16="http://schemas.microsoft.com/office/drawing/2014/main" id="{9BF0C10F-A37C-FCD0-3A12-6642C8C47FF5}"/>
+              </a:ext>
+            </a:extLst>
+          </p:cNvPr>
+          <p:cNvSpPr>
+            <a:spLocks noGrp="1"/>
+          </p:cNvSpPr>
+          <p:nvPr>
+            <p:ph type="title"/>
+          </p:nvPr>
+        </p:nvSpPr>
+        <p:spPr/>
+        <p:txBody>
+          <a:bodyPr/>
+          <a:lstStyle/>
+          <a:p>
+            <a:r>
+              <a:rPr lang="ru-RU" dirty="0"/>
+              <a:t>Возможности администратора</a:t>
+            </a:r>
+          </a:p>
+        </p:txBody>
+      </p:sp>
+      <p:pic>
+        <p:nvPicPr>
+          <p:cNvPr id="4" name="Рисунок 4" descr="Изображение выглядит как текст, стол&#10;&#10;Автоматически созданное описание">
+            <a:extLst>
+              <a:ext uri="{FF2B5EF4-FFF2-40B4-BE49-F238E27FC236}">
+                <a16:creationId xmlns:a16="http://schemas.microsoft.com/office/drawing/2014/main" id="{46F10158-2796-E232-EDA0-D6266DA6FF79}"/>
+              </a:ext>
+            </a:extLst>
+          </p:cNvPr>
+          <p:cNvPicPr>
+            <a:picLocks noGrp="1" noChangeAspect="1"/>
+          </p:cNvPicPr>
+          <p:nvPr>
+            <p:ph idx="1"/>
+          </p:nvPr>
+        </p:nvPicPr>
+        <p:blipFill>
+          <a:blip r:embed="rId2"/>
+          <a:stretch>
+            <a:fillRect/>
+          </a:stretch>
+        </p:blipFill>
+        <p:spPr>
+          <a:xfrm>
+            <a:off x="677334" y="2289623"/>
+            <a:ext cx="10029136" cy="3559455"/>
+          </a:xfrm>
+        </p:spPr>
+      </p:pic>
+    </p:spTree>
+    <p:extLst>
+      <p:ext uri="{BB962C8B-B14F-4D97-AF65-F5344CB8AC3E}">
+        <p14:creationId xmlns:p14="http://schemas.microsoft.com/office/powerpoint/2010/main" val="172052694"/>
+      </p:ext>
+    </p:extLst>
+  </p:cSld>
+  <p:clrMapOvr>
+    <a:masterClrMapping/>
+  </p:clrMapOvr>
+</p:sld>
+</file>
+
+<file path=ppt/slides/slide18.xml><?xml version="1.0" encoding="utf-8"?>
+<p:sld xmlns:a="http://schemas.openxmlformats.org/drawingml/2006/main" xmlns:r="http://schemas.openxmlformats.org/officeDocument/2006/relationships" xmlns:p="http://schemas.openxmlformats.org/presentationml/2006/main">
+  <p:cSld>
+    <p:spTree>
+      <p:nvGrpSpPr>
+        <p:cNvPr id="1" name=""/>
+        <p:cNvGrpSpPr/>
+        <p:nvPr/>
+      </p:nvGrpSpPr>
+      <p:grpSpPr>
+        <a:xfrm>
+          <a:off x="0" y="0"/>
+          <a:ext cx="0" cy="0"/>
+          <a:chOff x="0" y="0"/>
+          <a:chExt cx="0" cy="0"/>
+        </a:xfrm>
+      </p:grpSpPr>
+      <p:sp>
+        <p:nvSpPr>
+          <p:cNvPr id="2" name="Заголовок 1">
+            <a:extLst>
+              <a:ext uri="{FF2B5EF4-FFF2-40B4-BE49-F238E27FC236}">
+                <a16:creationId xmlns:a16="http://schemas.microsoft.com/office/drawing/2014/main" id="{D4CF46CF-ABAC-9972-377B-142E40D2449C}"/>
+              </a:ext>
+            </a:extLst>
+          </p:cNvPr>
+          <p:cNvSpPr>
+            <a:spLocks noGrp="1"/>
+          </p:cNvSpPr>
+          <p:nvPr>
+            <p:ph type="title"/>
+          </p:nvPr>
+        </p:nvSpPr>
+        <p:spPr/>
+        <p:txBody>
+          <a:bodyPr>
+            <a:normAutofit/>
+          </a:bodyPr>
+          <a:lstStyle/>
+          <a:p>
+            <a:r>
+              <a:rPr lang="ru-RU" sz="5400" dirty="0"/>
+              <a:t>Профиль</a:t>
+            </a:r>
+          </a:p>
+        </p:txBody>
+      </p:sp>
+      <p:sp>
+        <p:nvSpPr>
+          <p:cNvPr id="3" name="Объект 2">
+            <a:extLst>
+              <a:ext uri="{FF2B5EF4-FFF2-40B4-BE49-F238E27FC236}">
+                <a16:creationId xmlns:a16="http://schemas.microsoft.com/office/drawing/2014/main" id="{19454957-CD7A-94EA-D355-6F89C4319313}"/>
+              </a:ext>
+            </a:extLst>
+          </p:cNvPr>
+          <p:cNvSpPr>
+            <a:spLocks noGrp="1"/>
+          </p:cNvSpPr>
+          <p:nvPr>
+            <p:ph idx="1"/>
+          </p:nvPr>
+        </p:nvSpPr>
+        <p:spPr>
+          <a:xfrm>
+            <a:off x="677334" y="2160589"/>
+            <a:ext cx="8726064" cy="3852019"/>
+          </a:xfrm>
+        </p:spPr>
+        <p:txBody>
+          <a:bodyPr vert="horz" lIns="91440" tIns="45720" rIns="91440" bIns="45720" rtlCol="0" anchor="t">
+            <a:normAutofit/>
+          </a:bodyPr>
+          <a:lstStyle/>
+          <a:p>
+            <a:r>
+              <a:rPr lang="ru-RU" sz="2800" dirty="0"/>
+              <a:t>Изменение и удаление </a:t>
+            </a:r>
+            <a:r>
+              <a:rPr lang="ru-RU" sz="2800" dirty="0" err="1"/>
+              <a:t>аватарки</a:t>
+            </a:r>
+            <a:r>
+              <a:rPr lang="ru-RU" sz="2800" dirty="0"/>
+              <a:t> профиля. Первоначально задается </a:t>
+            </a:r>
+            <a:r>
+              <a:rPr lang="ru-RU" sz="2800" dirty="0" err="1"/>
+              <a:t>взависимости</a:t>
+            </a:r>
+            <a:r>
+              <a:rPr lang="ru-RU" sz="2800" dirty="0"/>
+              <a:t> от пола человека)</a:t>
+            </a:r>
+          </a:p>
+          <a:p>
+            <a:r>
+              <a:rPr lang="ru-RU" sz="2800" dirty="0"/>
+              <a:t>Адрес доставки</a:t>
+            </a:r>
+          </a:p>
+          <a:p>
+            <a:r>
+              <a:rPr lang="ru-RU" sz="2800" dirty="0"/>
+              <a:t>Дата регистрации</a:t>
+            </a:r>
+          </a:p>
+        </p:txBody>
+      </p:sp>
+    </p:spTree>
+    <p:extLst>
+      <p:ext uri="{BB962C8B-B14F-4D97-AF65-F5344CB8AC3E}">
+        <p14:creationId xmlns:p14="http://schemas.microsoft.com/office/powerpoint/2010/main" val="3276049395"/>
+      </p:ext>
+    </p:extLst>
+  </p:cSld>
+  <p:clrMapOvr>
+    <a:masterClrMapping/>
+  </p:clrMapOvr>
+</p:sld>
+</file>
+
+<file path=ppt/slides/slide19.xml><?xml version="1.0" encoding="utf-8"?>
+<p:sld xmlns:a="http://schemas.openxmlformats.org/drawingml/2006/main" xmlns:r="http://schemas.openxmlformats.org/officeDocument/2006/relationships" xmlns:p="http://schemas.openxmlformats.org/presentationml/2006/main">
+  <p:cSld>
+    <p:spTree>
+      <p:nvGrpSpPr>
+        <p:cNvPr id="1" name=""/>
+        <p:cNvGrpSpPr/>
+        <p:nvPr/>
+      </p:nvGrpSpPr>
+      <p:grpSpPr>
+        <a:xfrm>
+          <a:off x="0" y="0"/>
+          <a:ext cx="0" cy="0"/>
+          <a:chOff x="0" y="0"/>
+          <a:chExt cx="0" cy="0"/>
+        </a:xfrm>
+      </p:grpSpPr>
+      <p:sp>
+        <p:nvSpPr>
+          <p:cNvPr id="2" name="Заголовок 1">
+            <a:extLst>
+              <a:ext uri="{FF2B5EF4-FFF2-40B4-BE49-F238E27FC236}">
+                <a16:creationId xmlns:a16="http://schemas.microsoft.com/office/drawing/2014/main" id="{5D54646E-8B8B-57EA-FB2C-AFCBA69459BC}"/>
+              </a:ext>
+            </a:extLst>
+          </p:cNvPr>
+          <p:cNvSpPr>
+            <a:spLocks noGrp="1"/>
+          </p:cNvSpPr>
+          <p:nvPr>
+            <p:ph type="title"/>
+          </p:nvPr>
+        </p:nvSpPr>
+        <p:spPr>
+          <a:xfrm>
+            <a:off x="4832391" y="63260"/>
+            <a:ext cx="8596668" cy="1320800"/>
+          </a:xfrm>
+        </p:spPr>
+        <p:txBody>
+          <a:bodyPr>
+            <a:normAutofit/>
+          </a:bodyPr>
+          <a:lstStyle/>
+          <a:p>
+            <a:r>
+              <a:rPr lang="ru-RU" sz="4800" dirty="0"/>
+              <a:t>Профиль</a:t>
+            </a:r>
+          </a:p>
+        </p:txBody>
+      </p:sp>
+      <p:pic>
+        <p:nvPicPr>
+          <p:cNvPr id="4" name="Рисунок 4">
+            <a:extLst>
+              <a:ext uri="{FF2B5EF4-FFF2-40B4-BE49-F238E27FC236}">
+                <a16:creationId xmlns:a16="http://schemas.microsoft.com/office/drawing/2014/main" id="{6C1B62C3-1124-9921-03D8-09F719DE5B82}"/>
+              </a:ext>
+            </a:extLst>
+          </p:cNvPr>
+          <p:cNvPicPr>
+            <a:picLocks noGrp="1" noChangeAspect="1"/>
+          </p:cNvPicPr>
+          <p:nvPr>
+            <p:ph idx="1"/>
+          </p:nvPr>
+        </p:nvPicPr>
+        <p:blipFill>
+          <a:blip r:embed="rId2"/>
+          <a:stretch>
+            <a:fillRect/>
+          </a:stretch>
+        </p:blipFill>
+        <p:spPr>
+          <a:xfrm>
+            <a:off x="-2566" y="1067909"/>
+            <a:ext cx="12199335" cy="5836093"/>
+          </a:xfrm>
+        </p:spPr>
+      </p:pic>
+    </p:spTree>
+    <p:extLst>
+      <p:ext uri="{BB962C8B-B14F-4D97-AF65-F5344CB8AC3E}">
+        <p14:creationId xmlns:p14="http://schemas.microsoft.com/office/powerpoint/2010/main" val="3514166396"/>
       </p:ext>
     </p:extLst>
   </p:cSld>
@@ -6245,7 +7000,7 @@
           <p:cNvPr id="2" name="Заголовок 1">
             <a:extLst>
               <a:ext uri="{FF2B5EF4-FFF2-40B4-BE49-F238E27FC236}">
-                <a16:creationId xmlns:a16="http://schemas.microsoft.com/office/drawing/2014/main" id="{28BADE0C-2459-D89B-4CA7-7A9C8F92C13C}"/>
+                <a16:creationId xmlns:a16="http://schemas.microsoft.com/office/drawing/2014/main" id="{AC48900E-8879-7773-963C-2D760007D6E9}"/>
               </a:ext>
             </a:extLst>
           </p:cNvPr>
@@ -6263,25 +7018,178 @@
           <a:p>
             <a:r>
               <a:rPr lang="ru-RU" dirty="0"/>
-              <a:t>Главная страница</a:t>
+              <a:t>Используемые модули</a:t>
             </a:r>
             <a:endParaRPr lang="en-US" dirty="0"/>
+          </a:p>
+        </p:txBody>
+      </p:sp>
+      <p:sp>
+        <p:nvSpPr>
+          <p:cNvPr id="5" name="Объект 4">
+            <a:extLst>
+              <a:ext uri="{FF2B5EF4-FFF2-40B4-BE49-F238E27FC236}">
+                <a16:creationId xmlns:a16="http://schemas.microsoft.com/office/drawing/2014/main" id="{3B8729FB-E492-ABAB-7BB8-AC2F8B1694F4}"/>
+              </a:ext>
+            </a:extLst>
+          </p:cNvPr>
+          <p:cNvSpPr>
+            <a:spLocks noGrp="1"/>
+          </p:cNvSpPr>
+          <p:nvPr>
+            <p:ph idx="1"/>
+          </p:nvPr>
+        </p:nvSpPr>
+        <p:spPr/>
+        <p:txBody>
+          <a:bodyPr>
+            <a:normAutofit/>
+          </a:bodyPr>
+          <a:lstStyle/>
+          <a:p>
+            <a:r>
+              <a:rPr lang="en-US" sz="2800" dirty="0">
+                <a:latin typeface="Calibri" panose="020F0502020204030204" pitchFamily="34" charset="0"/>
+                <a:cs typeface="Calibri" panose="020F0502020204030204" pitchFamily="34" charset="0"/>
+              </a:rPr>
+              <a:t>flask</a:t>
+            </a:r>
+          </a:p>
+          <a:p>
+            <a:r>
+              <a:rPr lang="en-US" sz="2800" dirty="0" err="1">
+                <a:latin typeface="Calibri" panose="020F0502020204030204" pitchFamily="34" charset="0"/>
+                <a:cs typeface="Calibri" panose="020F0502020204030204" pitchFamily="34" charset="0"/>
+              </a:rPr>
+              <a:t>SQLAlchemy</a:t>
+            </a:r>
+            <a:r>
+              <a:rPr lang="en-US" sz="2800" dirty="0">
+                <a:latin typeface="Calibri" panose="020F0502020204030204" pitchFamily="34" charset="0"/>
+                <a:cs typeface="Calibri" panose="020F0502020204030204" pitchFamily="34" charset="0"/>
+              </a:rPr>
+              <a:t> </a:t>
+            </a:r>
+          </a:p>
+          <a:p>
+            <a:r>
+              <a:rPr lang="en-US" sz="2800" dirty="0">
+                <a:latin typeface="Calibri" panose="020F0502020204030204" pitchFamily="34" charset="0"/>
+                <a:cs typeface="Calibri" panose="020F0502020204030204" pitchFamily="34" charset="0"/>
+              </a:rPr>
+              <a:t>Jinja2</a:t>
+            </a:r>
+          </a:p>
+          <a:p>
+            <a:r>
+              <a:rPr lang="en-US" sz="2800" dirty="0" err="1">
+                <a:latin typeface="Calibri" panose="020F0502020204030204" pitchFamily="34" charset="0"/>
+                <a:cs typeface="Calibri" panose="020F0502020204030204" pitchFamily="34" charset="0"/>
+              </a:rPr>
+              <a:t>Werkzeug</a:t>
+            </a:r>
+            <a:endParaRPr lang="en-US" sz="2800" dirty="0">
+              <a:latin typeface="Calibri" panose="020F0502020204030204" pitchFamily="34" charset="0"/>
+              <a:cs typeface="Calibri" panose="020F0502020204030204" pitchFamily="34" charset="0"/>
+            </a:endParaRPr>
+          </a:p>
+          <a:p>
+            <a:pPr marL="0" indent="0">
+              <a:buNone/>
+            </a:pPr>
+            <a:endParaRPr lang="en-US" sz="2800" dirty="0">
+              <a:latin typeface="Calibri" panose="020F0502020204030204" pitchFamily="34" charset="0"/>
+              <a:cs typeface="Calibri" panose="020F0502020204030204" pitchFamily="34" charset="0"/>
+            </a:endParaRPr>
+          </a:p>
+          <a:p>
+            <a:endParaRPr lang="en-US" sz="2800" dirty="0">
+              <a:latin typeface="Calibri" panose="020F0502020204030204" pitchFamily="34" charset="0"/>
+              <a:cs typeface="Calibri" panose="020F0502020204030204" pitchFamily="34" charset="0"/>
+            </a:endParaRPr>
+          </a:p>
+        </p:txBody>
+      </p:sp>
+    </p:spTree>
+    <p:extLst>
+      <p:ext uri="{BB962C8B-B14F-4D97-AF65-F5344CB8AC3E}">
+        <p14:creationId xmlns:p14="http://schemas.microsoft.com/office/powerpoint/2010/main" val="3696197263"/>
+      </p:ext>
+    </p:extLst>
+  </p:cSld>
+  <p:clrMapOvr>
+    <a:masterClrMapping/>
+  </p:clrMapOvr>
+</p:sld>
+</file>
+
+<file path=ppt/slides/slide20.xml><?xml version="1.0" encoding="utf-8"?>
+<p:sld xmlns:a="http://schemas.openxmlformats.org/drawingml/2006/main" xmlns:r="http://schemas.openxmlformats.org/officeDocument/2006/relationships" xmlns:p="http://schemas.openxmlformats.org/presentationml/2006/main">
+  <p:cSld>
+    <p:spTree>
+      <p:nvGrpSpPr>
+        <p:cNvPr id="1" name=""/>
+        <p:cNvGrpSpPr/>
+        <p:nvPr/>
+      </p:nvGrpSpPr>
+      <p:grpSpPr>
+        <a:xfrm>
+          <a:off x="0" y="0"/>
+          <a:ext cx="0" cy="0"/>
+          <a:chOff x="0" y="0"/>
+          <a:chExt cx="0" cy="0"/>
+        </a:xfrm>
+      </p:grpSpPr>
+      <p:sp>
+        <p:nvSpPr>
+          <p:cNvPr id="2" name="Заголовок 1">
+            <a:extLst>
+              <a:ext uri="{FF2B5EF4-FFF2-40B4-BE49-F238E27FC236}">
+                <a16:creationId xmlns:a16="http://schemas.microsoft.com/office/drawing/2014/main" id="{BEE201CE-B1F8-9E66-BF42-072C6A40EF82}"/>
+              </a:ext>
+            </a:extLst>
+          </p:cNvPr>
+          <p:cNvSpPr>
+            <a:spLocks noGrp="1"/>
+          </p:cNvSpPr>
+          <p:nvPr>
+            <p:ph type="title"/>
+          </p:nvPr>
+        </p:nvSpPr>
+        <p:spPr>
+          <a:xfrm>
+            <a:off x="3480919" y="207034"/>
+            <a:ext cx="8596668" cy="1320800"/>
+          </a:xfrm>
+        </p:spPr>
+        <p:txBody>
+          <a:bodyPr>
+            <a:normAutofit/>
+          </a:bodyPr>
+          <a:lstStyle/>
+          <a:p>
+            <a:r>
+              <a:rPr lang="ru-RU" sz="6000" dirty="0"/>
+              <a:t>Авторизация</a:t>
+            </a:r>
           </a:p>
         </p:txBody>
       </p:sp>
       <p:pic>
         <p:nvPicPr>
-          <p:cNvPr id="13" name="Рисунок 12">
+          <p:cNvPr id="4" name="Рисунок 4">
             <a:extLst>
               <a:ext uri="{FF2B5EF4-FFF2-40B4-BE49-F238E27FC236}">
-                <a16:creationId xmlns:a16="http://schemas.microsoft.com/office/drawing/2014/main" id="{B08857BB-68CB-CE3D-4D92-A0FA90BF34FE}"/>
+                <a16:creationId xmlns:a16="http://schemas.microsoft.com/office/drawing/2014/main" id="{BD933C19-C9A8-F892-0634-9CB9B32C1678}"/>
               </a:ext>
             </a:extLst>
           </p:cNvPr>
           <p:cNvPicPr>
-            <a:picLocks noChangeAspect="1"/>
+            <a:picLocks noGrp="1" noChangeAspect="1"/>
           </p:cNvPicPr>
-          <p:nvPr/>
+          <p:nvPr>
+            <p:ph idx="1"/>
+          </p:nvPr>
         </p:nvPicPr>
         <p:blipFill>
           <a:blip r:embed="rId2"/>
@@ -6291,18 +7199,290 @@
         </p:blipFill>
         <p:spPr>
           <a:xfrm>
-            <a:off x="677334" y="1930400"/>
-            <a:ext cx="8596668" cy="4338418"/>
+            <a:off x="310719" y="1752438"/>
+            <a:ext cx="10726532" cy="4619292"/>
           </a:xfrm>
-          <a:prstGeom prst="rect">
-            <a:avLst/>
-          </a:prstGeom>
         </p:spPr>
       </p:pic>
     </p:spTree>
     <p:extLst>
       <p:ext uri="{BB962C8B-B14F-4D97-AF65-F5344CB8AC3E}">
-        <p14:creationId xmlns:p14="http://schemas.microsoft.com/office/powerpoint/2010/main" val="3525042096"/>
+        <p14:creationId xmlns:p14="http://schemas.microsoft.com/office/powerpoint/2010/main" val="2704265944"/>
+      </p:ext>
+    </p:extLst>
+  </p:cSld>
+  <p:clrMapOvr>
+    <a:masterClrMapping/>
+  </p:clrMapOvr>
+</p:sld>
+</file>
+
+<file path=ppt/slides/slide21.xml><?xml version="1.0" encoding="utf-8"?>
+<p:sld xmlns:a="http://schemas.openxmlformats.org/drawingml/2006/main" xmlns:r="http://schemas.openxmlformats.org/officeDocument/2006/relationships" xmlns:p="http://schemas.openxmlformats.org/presentationml/2006/main">
+  <p:cSld>
+    <p:spTree>
+      <p:nvGrpSpPr>
+        <p:cNvPr id="1" name=""/>
+        <p:cNvGrpSpPr/>
+        <p:nvPr/>
+      </p:nvGrpSpPr>
+      <p:grpSpPr>
+        <a:xfrm>
+          <a:off x="0" y="0"/>
+          <a:ext cx="0" cy="0"/>
+          <a:chOff x="0" y="0"/>
+          <a:chExt cx="0" cy="0"/>
+        </a:xfrm>
+      </p:grpSpPr>
+      <p:sp>
+        <p:nvSpPr>
+          <p:cNvPr id="2" name="Заголовок 1">
+            <a:extLst>
+              <a:ext uri="{FF2B5EF4-FFF2-40B4-BE49-F238E27FC236}">
+                <a16:creationId xmlns:a16="http://schemas.microsoft.com/office/drawing/2014/main" id="{FB779665-CC84-6222-3088-9E0D68DB155E}"/>
+              </a:ext>
+            </a:extLst>
+          </p:cNvPr>
+          <p:cNvSpPr>
+            <a:spLocks noGrp="1"/>
+          </p:cNvSpPr>
+          <p:nvPr>
+            <p:ph type="title"/>
+          </p:nvPr>
+        </p:nvSpPr>
+        <p:spPr>
+          <a:xfrm>
+            <a:off x="3768466" y="5751"/>
+            <a:ext cx="8596668" cy="1320800"/>
+          </a:xfrm>
+        </p:spPr>
+        <p:txBody>
+          <a:bodyPr>
+            <a:normAutofit/>
+          </a:bodyPr>
+          <a:lstStyle/>
+          <a:p>
+            <a:r>
+              <a:rPr lang="ru-RU" sz="4800" dirty="0"/>
+              <a:t>Регистрация</a:t>
+            </a:r>
+          </a:p>
+        </p:txBody>
+      </p:sp>
+      <p:pic>
+        <p:nvPicPr>
+          <p:cNvPr id="10" name="Рисунок 10" descr="Изображение выглядит как текст&#10;&#10;Автоматически созданное описание">
+            <a:extLst>
+              <a:ext uri="{FF2B5EF4-FFF2-40B4-BE49-F238E27FC236}">
+                <a16:creationId xmlns:a16="http://schemas.microsoft.com/office/drawing/2014/main" id="{95AAF7D9-CD6D-876F-5AE8-99401DE5892E}"/>
+              </a:ext>
+            </a:extLst>
+          </p:cNvPr>
+          <p:cNvPicPr>
+            <a:picLocks noGrp="1" noChangeAspect="1"/>
+          </p:cNvPicPr>
+          <p:nvPr>
+            <p:ph idx="1"/>
+          </p:nvPr>
+        </p:nvPicPr>
+        <p:blipFill>
+          <a:blip r:embed="rId2"/>
+          <a:stretch>
+            <a:fillRect/>
+          </a:stretch>
+        </p:blipFill>
+        <p:spPr>
+          <a:xfrm>
+            <a:off x="1103574" y="1024778"/>
+            <a:ext cx="8721848" cy="5591677"/>
+          </a:xfrm>
+        </p:spPr>
+      </p:pic>
+    </p:spTree>
+    <p:extLst>
+      <p:ext uri="{BB962C8B-B14F-4D97-AF65-F5344CB8AC3E}">
+        <p14:creationId xmlns:p14="http://schemas.microsoft.com/office/powerpoint/2010/main" val="596658649"/>
+      </p:ext>
+    </p:extLst>
+  </p:cSld>
+  <p:clrMapOvr>
+    <a:masterClrMapping/>
+  </p:clrMapOvr>
+</p:sld>
+</file>
+
+<file path=ppt/slides/slide22.xml><?xml version="1.0" encoding="utf-8"?>
+<p:sld xmlns:a="http://schemas.openxmlformats.org/drawingml/2006/main" xmlns:r="http://schemas.openxmlformats.org/officeDocument/2006/relationships" xmlns:p="http://schemas.openxmlformats.org/presentationml/2006/main">
+  <p:cSld>
+    <p:spTree>
+      <p:nvGrpSpPr>
+        <p:cNvPr id="1" name=""/>
+        <p:cNvGrpSpPr/>
+        <p:nvPr/>
+      </p:nvGrpSpPr>
+      <p:grpSpPr>
+        <a:xfrm>
+          <a:off x="0" y="0"/>
+          <a:ext cx="0" cy="0"/>
+          <a:chOff x="0" y="0"/>
+          <a:chExt cx="0" cy="0"/>
+        </a:xfrm>
+      </p:grpSpPr>
+      <p:sp>
+        <p:nvSpPr>
+          <p:cNvPr id="2" name="Заголовок 1">
+            <a:extLst>
+              <a:ext uri="{FF2B5EF4-FFF2-40B4-BE49-F238E27FC236}">
+                <a16:creationId xmlns:a16="http://schemas.microsoft.com/office/drawing/2014/main" id="{44065A36-28D5-ED06-001F-5A080A4EDE83}"/>
+              </a:ext>
+            </a:extLst>
+          </p:cNvPr>
+          <p:cNvSpPr>
+            <a:spLocks noGrp="1"/>
+          </p:cNvSpPr>
+          <p:nvPr>
+            <p:ph type="title"/>
+          </p:nvPr>
+        </p:nvSpPr>
+        <p:spPr/>
+        <p:txBody>
+          <a:bodyPr/>
+          <a:lstStyle/>
+          <a:p>
+            <a:r>
+              <a:rPr lang="ru-RU" dirty="0"/>
+              <a:t>Поиск по жанрам, названию и автору</a:t>
+            </a:r>
+          </a:p>
+        </p:txBody>
+      </p:sp>
+      <p:pic>
+        <p:nvPicPr>
+          <p:cNvPr id="4" name="Рисунок 4">
+            <a:extLst>
+              <a:ext uri="{FF2B5EF4-FFF2-40B4-BE49-F238E27FC236}">
+                <a16:creationId xmlns:a16="http://schemas.microsoft.com/office/drawing/2014/main" id="{093AB175-8565-9CDB-B43F-F426B7F07E37}"/>
+              </a:ext>
+            </a:extLst>
+          </p:cNvPr>
+          <p:cNvPicPr>
+            <a:picLocks noGrp="1" noChangeAspect="1"/>
+          </p:cNvPicPr>
+          <p:nvPr>
+            <p:ph idx="1"/>
+          </p:nvPr>
+        </p:nvPicPr>
+        <p:blipFill>
+          <a:blip r:embed="rId2"/>
+          <a:stretch>
+            <a:fillRect/>
+          </a:stretch>
+        </p:blipFill>
+        <p:spPr>
+          <a:xfrm>
+            <a:off x="472567" y="1513608"/>
+            <a:ext cx="11047785" cy="5275376"/>
+          </a:xfrm>
+        </p:spPr>
+      </p:pic>
+    </p:spTree>
+    <p:extLst>
+      <p:ext uri="{BB962C8B-B14F-4D97-AF65-F5344CB8AC3E}">
+        <p14:creationId xmlns:p14="http://schemas.microsoft.com/office/powerpoint/2010/main" val="1480516033"/>
+      </p:ext>
+    </p:extLst>
+  </p:cSld>
+  <p:clrMapOvr>
+    <a:masterClrMapping/>
+  </p:clrMapOvr>
+</p:sld>
+</file>
+
+<file path=ppt/slides/slide23.xml><?xml version="1.0" encoding="utf-8"?>
+<p:sld xmlns:a="http://schemas.openxmlformats.org/drawingml/2006/main" xmlns:r="http://schemas.openxmlformats.org/officeDocument/2006/relationships" xmlns:p="http://schemas.openxmlformats.org/presentationml/2006/main">
+  <p:cSld>
+    <p:spTree>
+      <p:nvGrpSpPr>
+        <p:cNvPr id="1" name=""/>
+        <p:cNvGrpSpPr/>
+        <p:nvPr/>
+      </p:nvGrpSpPr>
+      <p:grpSpPr>
+        <a:xfrm>
+          <a:off x="0" y="0"/>
+          <a:ext cx="0" cy="0"/>
+          <a:chOff x="0" y="0"/>
+          <a:chExt cx="0" cy="0"/>
+        </a:xfrm>
+      </p:grpSpPr>
+      <p:sp>
+        <p:nvSpPr>
+          <p:cNvPr id="2" name="Заголовок 1">
+            <a:extLst>
+              <a:ext uri="{FF2B5EF4-FFF2-40B4-BE49-F238E27FC236}">
+                <a16:creationId xmlns:a16="http://schemas.microsoft.com/office/drawing/2014/main" id="{B5412E8B-2DBE-8483-1E5A-103EE1525BFE}"/>
+              </a:ext>
+            </a:extLst>
+          </p:cNvPr>
+          <p:cNvSpPr>
+            <a:spLocks noGrp="1"/>
+          </p:cNvSpPr>
+          <p:nvPr>
+            <p:ph type="title"/>
+          </p:nvPr>
+        </p:nvSpPr>
+        <p:spPr>
+          <a:xfrm>
+            <a:off x="3825976" y="149525"/>
+            <a:ext cx="8596668" cy="1320800"/>
+          </a:xfrm>
+        </p:spPr>
+        <p:txBody>
+          <a:bodyPr>
+            <a:normAutofit/>
+          </a:bodyPr>
+          <a:lstStyle/>
+          <a:p>
+            <a:r>
+              <a:rPr lang="ru-RU" sz="4800" dirty="0"/>
+              <a:t>Карточка товара</a:t>
+            </a:r>
+          </a:p>
+        </p:txBody>
+      </p:sp>
+      <p:pic>
+        <p:nvPicPr>
+          <p:cNvPr id="4" name="Рисунок 4">
+            <a:extLst>
+              <a:ext uri="{FF2B5EF4-FFF2-40B4-BE49-F238E27FC236}">
+                <a16:creationId xmlns:a16="http://schemas.microsoft.com/office/drawing/2014/main" id="{F6B9CBF0-B71F-5B97-641E-B1E7504E9BB0}"/>
+              </a:ext>
+            </a:extLst>
+          </p:cNvPr>
+          <p:cNvPicPr>
+            <a:picLocks noGrp="1" noChangeAspect="1"/>
+          </p:cNvPicPr>
+          <p:nvPr>
+            <p:ph idx="1"/>
+          </p:nvPr>
+        </p:nvPicPr>
+        <p:blipFill>
+          <a:blip r:embed="rId2"/>
+          <a:stretch>
+            <a:fillRect/>
+          </a:stretch>
+        </p:blipFill>
+        <p:spPr>
+          <a:xfrm>
+            <a:off x="795717" y="1470325"/>
+            <a:ext cx="9602383" cy="4435770"/>
+          </a:xfrm>
+        </p:spPr>
+      </p:pic>
+    </p:spTree>
+    <p:extLst>
+      <p:ext uri="{BB962C8B-B14F-4D97-AF65-F5344CB8AC3E}">
+        <p14:creationId xmlns:p14="http://schemas.microsoft.com/office/powerpoint/2010/main" val="395474817"/>
       </p:ext>
     </p:extLst>
   </p:cSld>
@@ -6334,6 +7514,95 @@
           <p:cNvPr id="2" name="Заголовок 1">
             <a:extLst>
               <a:ext uri="{FF2B5EF4-FFF2-40B4-BE49-F238E27FC236}">
+                <a16:creationId xmlns:a16="http://schemas.microsoft.com/office/drawing/2014/main" id="{28BADE0C-2459-D89B-4CA7-7A9C8F92C13C}"/>
+              </a:ext>
+            </a:extLst>
+          </p:cNvPr>
+          <p:cNvSpPr>
+            <a:spLocks noGrp="1"/>
+          </p:cNvSpPr>
+          <p:nvPr>
+            <p:ph type="title"/>
+          </p:nvPr>
+        </p:nvSpPr>
+        <p:spPr/>
+        <p:txBody>
+          <a:bodyPr/>
+          <a:lstStyle/>
+          <a:p>
+            <a:r>
+              <a:rPr lang="ru-RU"/>
+              <a:t>Главная страница</a:t>
+            </a:r>
+            <a:endParaRPr lang="en-US"/>
+          </a:p>
+        </p:txBody>
+      </p:sp>
+      <p:pic>
+        <p:nvPicPr>
+          <p:cNvPr id="3" name="Рисунок 2">
+            <a:extLst>
+              <a:ext uri="{FF2B5EF4-FFF2-40B4-BE49-F238E27FC236}">
+                <a16:creationId xmlns:a16="http://schemas.microsoft.com/office/drawing/2014/main" id="{610B6727-F4ED-44A8-006F-4362D60BEDFF}"/>
+              </a:ext>
+            </a:extLst>
+          </p:cNvPr>
+          <p:cNvPicPr>
+            <a:picLocks noChangeAspect="1"/>
+          </p:cNvPicPr>
+          <p:nvPr/>
+        </p:nvPicPr>
+        <p:blipFill>
+          <a:blip r:embed="rId2"/>
+          <a:stretch>
+            <a:fillRect/>
+          </a:stretch>
+        </p:blipFill>
+        <p:spPr>
+          <a:xfrm>
+            <a:off x="677334" y="1835325"/>
+            <a:ext cx="8939560" cy="4413075"/>
+          </a:xfrm>
+          <a:prstGeom prst="rect">
+            <a:avLst/>
+          </a:prstGeom>
+        </p:spPr>
+      </p:pic>
+    </p:spTree>
+    <p:extLst>
+      <p:ext uri="{BB962C8B-B14F-4D97-AF65-F5344CB8AC3E}">
+        <p14:creationId xmlns:p14="http://schemas.microsoft.com/office/powerpoint/2010/main" val="3525042096"/>
+      </p:ext>
+    </p:extLst>
+  </p:cSld>
+  <p:clrMapOvr>
+    <a:masterClrMapping/>
+  </p:clrMapOvr>
+</p:sld>
+</file>
+
+<file path=ppt/slides/slide4.xml><?xml version="1.0" encoding="utf-8"?>
+<p:sld xmlns:a="http://schemas.openxmlformats.org/drawingml/2006/main" xmlns:r="http://schemas.openxmlformats.org/officeDocument/2006/relationships" xmlns:p="http://schemas.openxmlformats.org/presentationml/2006/main">
+  <p:cSld>
+    <p:spTree>
+      <p:nvGrpSpPr>
+        <p:cNvPr id="1" name=""/>
+        <p:cNvGrpSpPr/>
+        <p:nvPr/>
+      </p:nvGrpSpPr>
+      <p:grpSpPr>
+        <a:xfrm>
+          <a:off x="0" y="0"/>
+          <a:ext cx="0" cy="0"/>
+          <a:chOff x="0" y="0"/>
+          <a:chExt cx="0" cy="0"/>
+        </a:xfrm>
+      </p:grpSpPr>
+      <p:sp>
+        <p:nvSpPr>
+          <p:cNvPr id="2" name="Заголовок 1">
+            <a:extLst>
+              <a:ext uri="{FF2B5EF4-FFF2-40B4-BE49-F238E27FC236}">
                 <a16:creationId xmlns:a16="http://schemas.microsoft.com/office/drawing/2014/main" id="{9E3E070A-C8C0-D978-45FB-329A9A75D295}"/>
               </a:ext>
             </a:extLst>
@@ -6351,10 +7620,10 @@
           <a:lstStyle/>
           <a:p>
             <a:r>
-              <a:rPr lang="ru-RU" dirty="0"/>
+              <a:rPr lang="ru-RU"/>
               <a:t>Поиск</a:t>
             </a:r>
-            <a:endParaRPr lang="en-US" dirty="0"/>
+            <a:endParaRPr lang="en-US"/>
           </a:p>
         </p:txBody>
       </p:sp>
@@ -6400,7 +7669,7 @@
 </p:sld>
 </file>
 
-<file path=ppt/slides/slide4.xml><?xml version="1.0" encoding="utf-8"?>
+<file path=ppt/slides/slide5.xml><?xml version="1.0" encoding="utf-8"?>
 <p:sld xmlns:a="http://schemas.openxmlformats.org/drawingml/2006/main" xmlns:r="http://schemas.openxmlformats.org/officeDocument/2006/relationships" xmlns:p="http://schemas.openxmlformats.org/presentationml/2006/main">
   <p:cSld>
     <p:spTree>
@@ -6422,7 +7691,7 @@
           <p:cNvPr id="2" name="Заголовок 1">
             <a:extLst>
               <a:ext uri="{FF2B5EF4-FFF2-40B4-BE49-F238E27FC236}">
-                <a16:creationId xmlns:a16="http://schemas.microsoft.com/office/drawing/2014/main" id="{9AD47A5A-27BA-31E9-0473-784ABB448E1A}"/>
+                <a16:creationId xmlns:a16="http://schemas.microsoft.com/office/drawing/2014/main" id="{AA0CB070-010A-F56A-F92A-F287EF0392D0}"/>
               </a:ext>
             </a:extLst>
           </p:cNvPr>
@@ -6446,60 +7715,26 @@
           </a:p>
         </p:txBody>
       </p:sp>
-      <p:pic>
-        <p:nvPicPr>
-          <p:cNvPr id="5" name="Объект 4">
+      <p:sp>
+        <p:nvSpPr>
+          <p:cNvPr id="3" name="Объект 2">
             <a:extLst>
               <a:ext uri="{FF2B5EF4-FFF2-40B4-BE49-F238E27FC236}">
-                <a16:creationId xmlns:a16="http://schemas.microsoft.com/office/drawing/2014/main" id="{4B73FDF5-8E36-2DBB-4EB1-6BB4265D49EE}"/>
+                <a16:creationId xmlns:a16="http://schemas.microsoft.com/office/drawing/2014/main" id="{06D30597-CAE6-5E23-1D5A-06EB55AB0DDF}"/>
               </a:ext>
             </a:extLst>
           </p:cNvPr>
-          <p:cNvPicPr>
-            <a:picLocks noGrp="1" noChangeAspect="1"/>
-          </p:cNvPicPr>
+          <p:cNvSpPr>
+            <a:spLocks noGrp="1"/>
+          </p:cNvSpPr>
           <p:nvPr>
             <p:ph idx="1"/>
           </p:nvPr>
-        </p:nvPicPr>
-        <p:blipFill>
-          <a:blip r:embed="rId2"/>
-          <a:stretch>
-            <a:fillRect/>
-          </a:stretch>
-        </p:blipFill>
-        <p:spPr>
-          <a:xfrm>
-            <a:off x="677334" y="1685871"/>
-            <a:ext cx="9225778" cy="2613803"/>
-          </a:xfrm>
-        </p:spPr>
-      </p:pic>
-      <p:sp>
-        <p:nvSpPr>
-          <p:cNvPr id="7" name="TextBox 6">
-            <a:extLst>
-              <a:ext uri="{FF2B5EF4-FFF2-40B4-BE49-F238E27FC236}">
-                <a16:creationId xmlns:a16="http://schemas.microsoft.com/office/drawing/2014/main" id="{63DA765D-1578-136D-2DA0-A3C015B7C00B}"/>
-              </a:ext>
-            </a:extLst>
-          </p:cNvPr>
-          <p:cNvSpPr txBox="1"/>
-          <p:nvPr/>
-        </p:nvSpPr>
-        <p:spPr>
-          <a:xfrm>
-            <a:off x="677334" y="4751179"/>
-            <a:ext cx="9148195" cy="1143903"/>
-          </a:xfrm>
-          <a:prstGeom prst="rect">
-            <a:avLst/>
-          </a:prstGeom>
-          <a:noFill/>
-        </p:spPr>
-        <p:txBody>
-          <a:bodyPr wrap="square">
-            <a:spAutoFit/>
+        </p:nvSpPr>
+        <p:spPr/>
+        <p:txBody>
+          <a:bodyPr>
+            <a:normAutofit/>
           </a:bodyPr>
           <a:lstStyle/>
           <a:p>
@@ -6523,7 +7758,7 @@
               <a:defRPr/>
             </a:pPr>
             <a:r>
-              <a:rPr kumimoji="0" lang="ru-RU" sz="2000" b="0" i="0" u="none" strike="noStrike" kern="1200" cap="none" spc="0" normalizeH="0" baseline="0" noProof="0" dirty="0">
+              <a:rPr kumimoji="0" lang="ru-RU" sz="2800" b="0" i="0" u="none" strike="noStrike" kern="1200" cap="none" spc="0" normalizeH="0" baseline="0" noProof="0" dirty="0">
                 <a:ln>
                   <a:noFill/>
                 </a:ln>
@@ -6564,7 +7799,7 @@
               <a:defRPr/>
             </a:pPr>
             <a:r>
-              <a:rPr kumimoji="0" lang="ru-RU" sz="2000" b="0" i="0" u="none" strike="noStrike" kern="1200" cap="none" spc="0" normalizeH="0" baseline="0" noProof="0" dirty="0">
+              <a:rPr kumimoji="0" lang="ru-RU" sz="2800" b="0" i="0" u="none" strike="noStrike" kern="1200" cap="none" spc="0" normalizeH="0" baseline="0" noProof="0" dirty="0">
                 <a:ln>
                   <a:noFill/>
                 </a:ln>
@@ -6584,7 +7819,7 @@
               <a:t>Учитываются некоторые виды опечаток</a:t>
             </a:r>
             <a:r>
-              <a:rPr kumimoji="0" lang="en-US" sz="2000" b="0" i="0" u="none" strike="noStrike" kern="1200" cap="none" spc="0" normalizeH="0" baseline="0" noProof="0" dirty="0">
+              <a:rPr kumimoji="0" lang="en-US" sz="2800" b="0" i="0" u="none" strike="noStrike" kern="1200" cap="none" spc="0" normalizeH="0" baseline="0" noProof="0" dirty="0">
                 <a:ln>
                   <a:noFill/>
                 </a:ln>
@@ -6604,7 +7839,7 @@
               <a:t>, </a:t>
             </a:r>
             <a:r>
-              <a:rPr kumimoji="0" lang="ru-RU" sz="2000" b="0" i="0" u="none" strike="noStrike" kern="1200" cap="none" spc="0" normalizeH="0" baseline="0" noProof="0" dirty="0">
+              <a:rPr kumimoji="0" lang="ru-RU" sz="2800" b="0" i="0" u="none" strike="noStrike" kern="1200" cap="none" spc="0" normalizeH="0" baseline="0" noProof="0" dirty="0">
                 <a:ln>
                   <a:noFill/>
                 </a:ln>
@@ -6624,7 +7859,7 @@
               <a:t>в т</a:t>
             </a:r>
             <a:r>
-              <a:rPr kumimoji="0" lang="en-US" sz="2000" b="0" i="0" u="none" strike="noStrike" kern="1200" cap="none" spc="0" normalizeH="0" baseline="0" noProof="0" dirty="0">
+              <a:rPr kumimoji="0" lang="en-US" sz="2800" b="0" i="0" u="none" strike="noStrike" kern="1200" cap="none" spc="0" normalizeH="0" baseline="0" noProof="0" dirty="0">
                 <a:ln>
                   <a:noFill/>
                 </a:ln>
@@ -6644,7 +7879,7 @@
               <a:t>.</a:t>
             </a:r>
             <a:r>
-              <a:rPr kumimoji="0" lang="ru-RU" sz="2000" b="0" i="0" u="none" strike="noStrike" kern="1200" cap="none" spc="0" normalizeH="0" baseline="0" noProof="0" dirty="0">
+              <a:rPr kumimoji="0" lang="ru-RU" sz="2800" b="0" i="0" u="none" strike="noStrike" kern="1200" cap="none" spc="0" normalizeH="0" baseline="0" noProof="0" dirty="0">
                 <a:ln>
                   <a:noFill/>
                 </a:ln>
@@ -6664,7 +7899,7 @@
               <a:t>ч</a:t>
             </a:r>
             <a:r>
-              <a:rPr kumimoji="0" lang="en-US" sz="2000" b="0" i="0" u="none" strike="noStrike" kern="1200" cap="none" spc="0" normalizeH="0" baseline="0" noProof="0" dirty="0">
+              <a:rPr kumimoji="0" lang="en-US" sz="2800" b="0" i="0" u="none" strike="noStrike" kern="1200" cap="none" spc="0" normalizeH="0" baseline="0" noProof="0" dirty="0">
                 <a:ln>
                   <a:noFill/>
                 </a:ln>
@@ -6684,7 +7919,7 @@
               <a:t>.</a:t>
             </a:r>
             <a:r>
-              <a:rPr kumimoji="0" lang="ru-RU" sz="2000" b="0" i="0" u="none" strike="noStrike" kern="1200" cap="none" spc="0" normalizeH="0" baseline="0" noProof="0" dirty="0">
+              <a:rPr kumimoji="0" lang="ru-RU" sz="2800" b="0" i="0" u="none" strike="noStrike" kern="1200" cap="none" spc="0" normalizeH="0" baseline="0" noProof="0" dirty="0">
                 <a:ln>
                   <a:noFill/>
                 </a:ln>
@@ -6703,7 +7938,7 @@
               </a:rPr>
               <a:t> неправильно выбранная раскладка клавиатуры</a:t>
             </a:r>
-            <a:endParaRPr kumimoji="0" lang="en-US" sz="2000" b="0" i="0" u="none" strike="noStrike" kern="1200" cap="none" spc="0" normalizeH="0" baseline="0" noProof="0" dirty="0">
+            <a:endParaRPr kumimoji="0" lang="en-US" sz="2800" b="0" i="0" u="none" strike="noStrike" kern="1200" cap="none" spc="0" normalizeH="0" baseline="0" noProof="0" dirty="0">
               <a:ln>
                 <a:noFill/>
               </a:ln>
@@ -6721,12 +7956,15 @@
               <a:cs typeface="Calibri" panose="020F0502020204030204" pitchFamily="34" charset="0"/>
             </a:endParaRPr>
           </a:p>
+          <a:p>
+            <a:endParaRPr lang="en-US" sz="2800" dirty="0"/>
+          </a:p>
         </p:txBody>
       </p:sp>
     </p:spTree>
     <p:extLst>
       <p:ext uri="{BB962C8B-B14F-4D97-AF65-F5344CB8AC3E}">
-        <p14:creationId xmlns:p14="http://schemas.microsoft.com/office/powerpoint/2010/main" val="2441368641"/>
+        <p14:creationId xmlns:p14="http://schemas.microsoft.com/office/powerpoint/2010/main" val="2559019617"/>
       </p:ext>
     </p:extLst>
   </p:cSld>
@@ -6736,7 +7974,7 @@
 </p:sld>
 </file>
 
-<file path=ppt/slides/slide5.xml><?xml version="1.0" encoding="utf-8"?>
+<file path=ppt/slides/slide6.xml><?xml version="1.0" encoding="utf-8"?>
 <p:sld xmlns:a="http://schemas.openxmlformats.org/drawingml/2006/main" xmlns:r="http://schemas.openxmlformats.org/officeDocument/2006/relationships" xmlns:p="http://schemas.openxmlformats.org/presentationml/2006/main">
   <p:cSld>
     <p:spTree>
@@ -6775,11 +8013,11 @@
           <a:lstStyle/>
           <a:p>
             <a:r>
-              <a:rPr lang="ru-RU" dirty="0"/>
+              <a:rPr lang="ru-RU"/>
               <a:t>Обработка </a:t>
             </a:r>
             <a:r>
-              <a:rPr lang="en-US" dirty="0"/>
+              <a:rPr lang="en-US"/>
               <a:t>html exceptions</a:t>
             </a:r>
           </a:p>
@@ -6827,7 +8065,7 @@
 </p:sld>
 </file>
 
-<file path=ppt/slides/slide6.xml><?xml version="1.0" encoding="utf-8"?>
+<file path=ppt/slides/slide7.xml><?xml version="1.0" encoding="utf-8"?>
 <p:sld xmlns:a="http://schemas.openxmlformats.org/drawingml/2006/main" xmlns:r="http://schemas.openxmlformats.org/officeDocument/2006/relationships" xmlns:p="http://schemas.openxmlformats.org/presentationml/2006/main">
   <p:cSld>
     <p:spTree>
@@ -6866,10 +8104,10 @@
           <a:lstStyle/>
           <a:p>
             <a:r>
-              <a:rPr lang="ru-RU" dirty="0"/>
+              <a:rPr lang="ru-RU"/>
               <a:t>Корзина</a:t>
             </a:r>
-            <a:endParaRPr lang="en-US" dirty="0"/>
+            <a:endParaRPr lang="en-US"/>
           </a:p>
         </p:txBody>
       </p:sp>
@@ -6915,238 +8153,6 @@
 </p:sld>
 </file>
 
-<file path=ppt/slides/slide7.xml><?xml version="1.0" encoding="utf-8"?>
-<p:sld xmlns:a="http://schemas.openxmlformats.org/drawingml/2006/main" xmlns:r="http://schemas.openxmlformats.org/officeDocument/2006/relationships" xmlns:p="http://schemas.openxmlformats.org/presentationml/2006/main">
-  <p:cSld>
-    <p:spTree>
-      <p:nvGrpSpPr>
-        <p:cNvPr id="1" name=""/>
-        <p:cNvGrpSpPr/>
-        <p:nvPr/>
-      </p:nvGrpSpPr>
-      <p:grpSpPr>
-        <a:xfrm>
-          <a:off x="0" y="0"/>
-          <a:ext cx="0" cy="0"/>
-          <a:chOff x="0" y="0"/>
-          <a:chExt cx="0" cy="0"/>
-        </a:xfrm>
-      </p:grpSpPr>
-      <p:sp>
-        <p:nvSpPr>
-          <p:cNvPr id="2" name="Заголовок 1">
-            <a:extLst>
-              <a:ext uri="{FF2B5EF4-FFF2-40B4-BE49-F238E27FC236}">
-                <a16:creationId xmlns:a16="http://schemas.microsoft.com/office/drawing/2014/main" id="{84724820-5A67-613F-ED9E-9B0922E6E1E6}"/>
-              </a:ext>
-            </a:extLst>
-          </p:cNvPr>
-          <p:cNvSpPr>
-            <a:spLocks noGrp="1"/>
-          </p:cNvSpPr>
-          <p:nvPr>
-            <p:ph type="title"/>
-          </p:nvPr>
-        </p:nvSpPr>
-        <p:spPr/>
-        <p:txBody>
-          <a:bodyPr/>
-          <a:lstStyle/>
-          <a:p>
-            <a:r>
-              <a:rPr lang="ru-RU" dirty="0"/>
-              <a:t>Структура базы данных</a:t>
-            </a:r>
-            <a:endParaRPr lang="en-US" dirty="0"/>
-          </a:p>
-        </p:txBody>
-      </p:sp>
-      <p:sp>
-        <p:nvSpPr>
-          <p:cNvPr id="3" name="Объект 2">
-            <a:extLst>
-              <a:ext uri="{FF2B5EF4-FFF2-40B4-BE49-F238E27FC236}">
-                <a16:creationId xmlns:a16="http://schemas.microsoft.com/office/drawing/2014/main" id="{402F2F98-334D-437C-A688-FDB15C2146CA}"/>
-              </a:ext>
-            </a:extLst>
-          </p:cNvPr>
-          <p:cNvSpPr>
-            <a:spLocks noGrp="1"/>
-          </p:cNvSpPr>
-          <p:nvPr>
-            <p:ph idx="1"/>
-          </p:nvPr>
-        </p:nvSpPr>
-        <p:spPr/>
-        <p:txBody>
-          <a:bodyPr>
-            <a:normAutofit/>
-          </a:bodyPr>
-          <a:lstStyle/>
-          <a:p>
-            <a:r>
-              <a:rPr lang="ru-RU" sz="2400" dirty="0">
-                <a:latin typeface="Calibri" panose="020F0502020204030204" pitchFamily="34" charset="0"/>
-                <a:cs typeface="Calibri" panose="020F0502020204030204" pitchFamily="34" charset="0"/>
-              </a:rPr>
-              <a:t>Всего 3 таблицы</a:t>
-            </a:r>
-            <a:r>
-              <a:rPr lang="en-US" sz="2400" dirty="0">
-                <a:latin typeface="Calibri" panose="020F0502020204030204" pitchFamily="34" charset="0"/>
-                <a:cs typeface="Calibri" panose="020F0502020204030204" pitchFamily="34" charset="0"/>
-              </a:rPr>
-              <a:t>: books, users, </a:t>
-            </a:r>
-            <a:r>
-              <a:rPr lang="en-US" sz="2400" dirty="0" err="1">
-                <a:latin typeface="Calibri" panose="020F0502020204030204" pitchFamily="34" charset="0"/>
-                <a:cs typeface="Calibri" panose="020F0502020204030204" pitchFamily="34" charset="0"/>
-              </a:rPr>
-              <a:t>user_purchases</a:t>
-            </a:r>
-            <a:endParaRPr lang="en-US" sz="2400" dirty="0">
-              <a:latin typeface="Calibri" panose="020F0502020204030204" pitchFamily="34" charset="0"/>
-              <a:cs typeface="Calibri" panose="020F0502020204030204" pitchFamily="34" charset="0"/>
-            </a:endParaRPr>
-          </a:p>
-          <a:p>
-            <a:r>
-              <a:rPr lang="en-US" sz="2400" dirty="0">
-                <a:latin typeface="Calibri" panose="020F0502020204030204" pitchFamily="34" charset="0"/>
-                <a:cs typeface="Calibri" panose="020F0502020204030204" pitchFamily="34" charset="0"/>
-              </a:rPr>
-              <a:t>books – </a:t>
-            </a:r>
-            <a:r>
-              <a:rPr lang="ru-RU" sz="2400" dirty="0">
-                <a:latin typeface="Calibri" panose="020F0502020204030204" pitchFamily="34" charset="0"/>
-                <a:cs typeface="Calibri" panose="020F0502020204030204" pitchFamily="34" charset="0"/>
-              </a:rPr>
-              <a:t>книги в каталоге магазина</a:t>
-            </a:r>
-          </a:p>
-          <a:p>
-            <a:r>
-              <a:rPr lang="en-US" sz="2400" dirty="0">
-                <a:latin typeface="Calibri" panose="020F0502020204030204" pitchFamily="34" charset="0"/>
-                <a:cs typeface="Calibri" panose="020F0502020204030204" pitchFamily="34" charset="0"/>
-              </a:rPr>
-              <a:t>users – </a:t>
-            </a:r>
-            <a:r>
-              <a:rPr lang="ru-RU" sz="2400" dirty="0">
-                <a:latin typeface="Calibri" panose="020F0502020204030204" pitchFamily="34" charset="0"/>
-                <a:cs typeface="Calibri" panose="020F0502020204030204" pitchFamily="34" charset="0"/>
-              </a:rPr>
-              <a:t>зарегистрированные пользователи</a:t>
-            </a:r>
-          </a:p>
-          <a:p>
-            <a:r>
-              <a:rPr lang="en-US" sz="2400" dirty="0" err="1">
-                <a:latin typeface="Calibri" panose="020F0502020204030204" pitchFamily="34" charset="0"/>
-                <a:cs typeface="Calibri" panose="020F0502020204030204" pitchFamily="34" charset="0"/>
-              </a:rPr>
-              <a:t>user_purchases</a:t>
-            </a:r>
-            <a:r>
-              <a:rPr lang="en-US" sz="2400" dirty="0">
-                <a:latin typeface="Calibri" panose="020F0502020204030204" pitchFamily="34" charset="0"/>
-                <a:cs typeface="Calibri" panose="020F0502020204030204" pitchFamily="34" charset="0"/>
-              </a:rPr>
-              <a:t> – </a:t>
-            </a:r>
-            <a:r>
-              <a:rPr lang="ru-RU" sz="2400" dirty="0">
-                <a:latin typeface="Calibri" panose="020F0502020204030204" pitchFamily="34" charset="0"/>
-                <a:cs typeface="Calibri" panose="020F0502020204030204" pitchFamily="34" charset="0"/>
-              </a:rPr>
-              <a:t>товары</a:t>
-            </a:r>
-            <a:r>
-              <a:rPr lang="en-US" sz="2400" dirty="0">
-                <a:latin typeface="Calibri" panose="020F0502020204030204" pitchFamily="34" charset="0"/>
-                <a:cs typeface="Calibri" panose="020F0502020204030204" pitchFamily="34" charset="0"/>
-              </a:rPr>
-              <a:t>, </a:t>
-            </a:r>
-            <a:r>
-              <a:rPr lang="ru-RU" sz="2400" dirty="0">
-                <a:latin typeface="Calibri" panose="020F0502020204030204" pitchFamily="34" charset="0"/>
-                <a:cs typeface="Calibri" panose="020F0502020204030204" pitchFamily="34" charset="0"/>
-              </a:rPr>
-              <a:t>добавленные пользователем в корзину</a:t>
-            </a:r>
-            <a:r>
-              <a:rPr lang="en-US" sz="2400" dirty="0">
-                <a:latin typeface="Calibri" panose="020F0502020204030204" pitchFamily="34" charset="0"/>
-                <a:cs typeface="Calibri" panose="020F0502020204030204" pitchFamily="34" charset="0"/>
-              </a:rPr>
-              <a:t>. </a:t>
-            </a:r>
-            <a:r>
-              <a:rPr lang="ru-RU" sz="2400" dirty="0">
-                <a:latin typeface="Calibri" panose="020F0502020204030204" pitchFamily="34" charset="0"/>
-                <a:cs typeface="Calibri" panose="020F0502020204030204" pitchFamily="34" charset="0"/>
-              </a:rPr>
-              <a:t>       После оформления заказа</a:t>
-            </a:r>
-            <a:r>
-              <a:rPr lang="en-US" sz="2400" dirty="0">
-                <a:latin typeface="Calibri" panose="020F0502020204030204" pitchFamily="34" charset="0"/>
-                <a:cs typeface="Calibri" panose="020F0502020204030204" pitchFamily="34" charset="0"/>
-              </a:rPr>
-              <a:t>, “</a:t>
-            </a:r>
-            <a:r>
-              <a:rPr lang="ru-RU" sz="2400" dirty="0">
-                <a:latin typeface="Calibri" panose="020F0502020204030204" pitchFamily="34" charset="0"/>
-                <a:cs typeface="Calibri" panose="020F0502020204030204" pitchFamily="34" charset="0"/>
-              </a:rPr>
-              <a:t>купленные</a:t>
-            </a:r>
-            <a:r>
-              <a:rPr lang="en-US" sz="2400" dirty="0">
-                <a:latin typeface="Calibri" panose="020F0502020204030204" pitchFamily="34" charset="0"/>
-                <a:cs typeface="Calibri" panose="020F0502020204030204" pitchFamily="34" charset="0"/>
-              </a:rPr>
-              <a:t>”</a:t>
-            </a:r>
-            <a:r>
-              <a:rPr lang="ru-RU" sz="2400" dirty="0">
-                <a:latin typeface="Calibri" panose="020F0502020204030204" pitchFamily="34" charset="0"/>
-                <a:cs typeface="Calibri" panose="020F0502020204030204" pitchFamily="34" charset="0"/>
-              </a:rPr>
-              <a:t> товары удаляются из </a:t>
-            </a:r>
-            <a:r>
-              <a:rPr lang="ru-RU" sz="2400" dirty="0" err="1">
-                <a:latin typeface="Calibri" panose="020F0502020204030204" pitchFamily="34" charset="0"/>
-                <a:cs typeface="Calibri" panose="020F0502020204030204" pitchFamily="34" charset="0"/>
-              </a:rPr>
-              <a:t>бд</a:t>
-            </a:r>
-            <a:endParaRPr lang="en-US" sz="2400" dirty="0">
-              <a:latin typeface="Calibri" panose="020F0502020204030204" pitchFamily="34" charset="0"/>
-              <a:cs typeface="Calibri" panose="020F0502020204030204" pitchFamily="34" charset="0"/>
-            </a:endParaRPr>
-          </a:p>
-        </p:txBody>
-      </p:sp>
-    </p:spTree>
-    <p:extLst>
-      <p:ext uri="{BB962C8B-B14F-4D97-AF65-F5344CB8AC3E}">
-        <p14:creationId xmlns:p14="http://schemas.microsoft.com/office/powerpoint/2010/main" val="2499457006"/>
-      </p:ext>
-    </p:extLst>
-  </p:cSld>
-  <p:clrMapOvr>
-    <a:masterClrMapping/>
-  </p:clrMapOvr>
-</p:sld>
-</file>
-
 <file path=ppt/slides/slide8.xml><?xml version="1.0" encoding="utf-8"?>
 <p:sld xmlns:a="http://schemas.openxmlformats.org/drawingml/2006/main" xmlns:r="http://schemas.openxmlformats.org/officeDocument/2006/relationships" xmlns:p="http://schemas.openxmlformats.org/presentationml/2006/main">
   <p:cSld>
@@ -7169,7 +8175,7 @@
           <p:cNvPr id="2" name="Заголовок 1">
             <a:extLst>
               <a:ext uri="{FF2B5EF4-FFF2-40B4-BE49-F238E27FC236}">
-                <a16:creationId xmlns:a16="http://schemas.microsoft.com/office/drawing/2014/main" id="{A8D487D4-C4C1-A3BA-8B58-F9EC7F898CE1}"/>
+                <a16:creationId xmlns:a16="http://schemas.microsoft.com/office/drawing/2014/main" id="{84724820-5A67-613F-ED9E-9B0922E6E1E6}"/>
               </a:ext>
             </a:extLst>
           </p:cNvPr>
@@ -7186,57 +8192,241 @@
           <a:lstStyle/>
           <a:p>
             <a:r>
-              <a:rPr lang="ru-RU" dirty="0"/>
+              <a:rPr lang="ru-RU"/>
               <a:t>Структура базы данных</a:t>
             </a:r>
-            <a:r>
-              <a:rPr lang="en-US" dirty="0"/>
-              <a:t>. </a:t>
-            </a:r>
-            <a:r>
-              <a:rPr lang="ru-RU" dirty="0"/>
-              <a:t>Таблица </a:t>
-            </a:r>
-            <a:r>
-              <a:rPr lang="en-US" dirty="0"/>
-              <a:t>books</a:t>
-            </a:r>
-          </a:p>
-        </p:txBody>
-      </p:sp>
-      <p:pic>
-        <p:nvPicPr>
-          <p:cNvPr id="5" name="Объект 4">
+            <a:endParaRPr lang="en-US"/>
+          </a:p>
+        </p:txBody>
+      </p:sp>
+      <p:sp>
+        <p:nvSpPr>
+          <p:cNvPr id="3" name="Объект 2">
             <a:extLst>
               <a:ext uri="{FF2B5EF4-FFF2-40B4-BE49-F238E27FC236}">
-                <a16:creationId xmlns:a16="http://schemas.microsoft.com/office/drawing/2014/main" id="{BAE48515-F5E0-3C94-3ECA-0364CEE8595F}"/>
+                <a16:creationId xmlns:a16="http://schemas.microsoft.com/office/drawing/2014/main" id="{402F2F98-334D-437C-A688-FDB15C2146CA}"/>
               </a:ext>
             </a:extLst>
           </p:cNvPr>
-          <p:cNvPicPr>
-            <a:picLocks noGrp="1" noChangeAspect="1"/>
-          </p:cNvPicPr>
+          <p:cNvSpPr>
+            <a:spLocks noGrp="1"/>
+          </p:cNvSpPr>
           <p:nvPr>
             <p:ph idx="1"/>
           </p:nvPr>
-        </p:nvPicPr>
-        <p:blipFill>
-          <a:blip r:embed="rId2"/>
-          <a:stretch>
-            <a:fillRect/>
-          </a:stretch>
-        </p:blipFill>
-        <p:spPr>
-          <a:xfrm>
-            <a:off x="677334" y="1930400"/>
-            <a:ext cx="5052347" cy="4660499"/>
-          </a:xfrm>
-        </p:spPr>
-      </p:pic>
+        </p:nvSpPr>
+        <p:spPr/>
+        <p:txBody>
+          <a:bodyPr>
+            <a:normAutofit/>
+          </a:bodyPr>
+          <a:lstStyle/>
+          <a:p>
+            <a:r>
+              <a:rPr lang="ru-RU" sz="2400" dirty="0">
+                <a:latin typeface="Calibri" panose="020F0502020204030204" pitchFamily="34" charset="0"/>
+                <a:cs typeface="Calibri" panose="020F0502020204030204" pitchFamily="34" charset="0"/>
+              </a:rPr>
+              <a:t>Всего </a:t>
+            </a:r>
+            <a:r>
+              <a:rPr lang="en-US" sz="2400" dirty="0">
+                <a:latin typeface="Calibri" panose="020F0502020204030204" pitchFamily="34" charset="0"/>
+                <a:cs typeface="Calibri" panose="020F0502020204030204" pitchFamily="34" charset="0"/>
+              </a:rPr>
+              <a:t>4</a:t>
+            </a:r>
+            <a:r>
+              <a:rPr lang="ru-RU" sz="2400" dirty="0">
+                <a:latin typeface="Calibri" panose="020F0502020204030204" pitchFamily="34" charset="0"/>
+                <a:cs typeface="Calibri" panose="020F0502020204030204" pitchFamily="34" charset="0"/>
+              </a:rPr>
+              <a:t> таблицы</a:t>
+            </a:r>
+            <a:r>
+              <a:rPr lang="en-US" sz="2400" dirty="0">
+                <a:latin typeface="Calibri" panose="020F0502020204030204" pitchFamily="34" charset="0"/>
+                <a:cs typeface="Calibri" panose="020F0502020204030204" pitchFamily="34" charset="0"/>
+              </a:rPr>
+              <a:t>: books, users, </a:t>
+            </a:r>
+            <a:r>
+              <a:rPr lang="en-US" sz="2400" dirty="0" err="1">
+                <a:latin typeface="Calibri" panose="020F0502020204030204" pitchFamily="34" charset="0"/>
+                <a:cs typeface="Calibri" panose="020F0502020204030204" pitchFamily="34" charset="0"/>
+              </a:rPr>
+              <a:t>user_purchases</a:t>
+            </a:r>
+            <a:r>
+              <a:rPr lang="en-US" sz="2400" dirty="0">
+                <a:latin typeface="Calibri" panose="020F0502020204030204" pitchFamily="34" charset="0"/>
+                <a:cs typeface="Calibri" panose="020F0502020204030204" pitchFamily="34" charset="0"/>
+              </a:rPr>
+              <a:t>, advertisement </a:t>
+            </a:r>
+          </a:p>
+          <a:p>
+            <a:r>
+              <a:rPr lang="en-US" sz="2400" dirty="0">
+                <a:latin typeface="Calibri" panose="020F0502020204030204" pitchFamily="34" charset="0"/>
+                <a:cs typeface="Calibri" panose="020F0502020204030204" pitchFamily="34" charset="0"/>
+              </a:rPr>
+              <a:t>books – </a:t>
+            </a:r>
+            <a:r>
+              <a:rPr lang="ru-RU" sz="2400" dirty="0">
+                <a:latin typeface="Calibri" panose="020F0502020204030204" pitchFamily="34" charset="0"/>
+                <a:cs typeface="Calibri" panose="020F0502020204030204" pitchFamily="34" charset="0"/>
+              </a:rPr>
+              <a:t>книги в каталоге магазина</a:t>
+            </a:r>
+          </a:p>
+          <a:p>
+            <a:r>
+              <a:rPr lang="en-US" sz="2400" dirty="0">
+                <a:latin typeface="Calibri" panose="020F0502020204030204" pitchFamily="34" charset="0"/>
+                <a:cs typeface="Calibri" panose="020F0502020204030204" pitchFamily="34" charset="0"/>
+              </a:rPr>
+              <a:t>users – </a:t>
+            </a:r>
+            <a:r>
+              <a:rPr lang="ru-RU" sz="2400" dirty="0">
+                <a:latin typeface="Calibri" panose="020F0502020204030204" pitchFamily="34" charset="0"/>
+                <a:cs typeface="Calibri" panose="020F0502020204030204" pitchFamily="34" charset="0"/>
+              </a:rPr>
+              <a:t>зарегистрированные пользователи</a:t>
+            </a:r>
+          </a:p>
+          <a:p>
+            <a:r>
+              <a:rPr lang="en-US" sz="2400" dirty="0" err="1">
+                <a:latin typeface="Calibri" panose="020F0502020204030204" pitchFamily="34" charset="0"/>
+                <a:cs typeface="Calibri" panose="020F0502020204030204" pitchFamily="34" charset="0"/>
+              </a:rPr>
+              <a:t>user_purchases</a:t>
+            </a:r>
+            <a:r>
+              <a:rPr lang="en-US" sz="2400" dirty="0">
+                <a:latin typeface="Calibri" panose="020F0502020204030204" pitchFamily="34" charset="0"/>
+                <a:cs typeface="Calibri" panose="020F0502020204030204" pitchFamily="34" charset="0"/>
+              </a:rPr>
+              <a:t> – </a:t>
+            </a:r>
+            <a:r>
+              <a:rPr lang="ru-RU" sz="2400" dirty="0">
+                <a:latin typeface="Calibri" panose="020F0502020204030204" pitchFamily="34" charset="0"/>
+                <a:cs typeface="Calibri" panose="020F0502020204030204" pitchFamily="34" charset="0"/>
+              </a:rPr>
+              <a:t>товары</a:t>
+            </a:r>
+            <a:r>
+              <a:rPr lang="en-US" sz="2400" dirty="0">
+                <a:latin typeface="Calibri" panose="020F0502020204030204" pitchFamily="34" charset="0"/>
+                <a:cs typeface="Calibri" panose="020F0502020204030204" pitchFamily="34" charset="0"/>
+              </a:rPr>
+              <a:t>, </a:t>
+            </a:r>
+            <a:r>
+              <a:rPr lang="ru-RU" sz="2400" dirty="0">
+                <a:latin typeface="Calibri" panose="020F0502020204030204" pitchFamily="34" charset="0"/>
+                <a:cs typeface="Calibri" panose="020F0502020204030204" pitchFamily="34" charset="0"/>
+              </a:rPr>
+              <a:t>добавленные пользователем в корзину</a:t>
+            </a:r>
+            <a:r>
+              <a:rPr lang="en-US" sz="2400" dirty="0">
+                <a:latin typeface="Calibri" panose="020F0502020204030204" pitchFamily="34" charset="0"/>
+                <a:cs typeface="Calibri" panose="020F0502020204030204" pitchFamily="34" charset="0"/>
+              </a:rPr>
+              <a:t>. </a:t>
+            </a:r>
+            <a:r>
+              <a:rPr lang="ru-RU" sz="2400" dirty="0">
+                <a:latin typeface="Calibri" panose="020F0502020204030204" pitchFamily="34" charset="0"/>
+                <a:cs typeface="Calibri" panose="020F0502020204030204" pitchFamily="34" charset="0"/>
+              </a:rPr>
+              <a:t>       После оформления заказа</a:t>
+            </a:r>
+            <a:r>
+              <a:rPr lang="en-US" sz="2400" dirty="0">
+                <a:latin typeface="Calibri" panose="020F0502020204030204" pitchFamily="34" charset="0"/>
+                <a:cs typeface="Calibri" panose="020F0502020204030204" pitchFamily="34" charset="0"/>
+              </a:rPr>
+              <a:t>, “</a:t>
+            </a:r>
+            <a:r>
+              <a:rPr lang="ru-RU" sz="2400" dirty="0">
+                <a:latin typeface="Calibri" panose="020F0502020204030204" pitchFamily="34" charset="0"/>
+                <a:cs typeface="Calibri" panose="020F0502020204030204" pitchFamily="34" charset="0"/>
+              </a:rPr>
+              <a:t>купленные</a:t>
+            </a:r>
+            <a:r>
+              <a:rPr lang="en-US" sz="2400" dirty="0">
+                <a:latin typeface="Calibri" panose="020F0502020204030204" pitchFamily="34" charset="0"/>
+                <a:cs typeface="Calibri" panose="020F0502020204030204" pitchFamily="34" charset="0"/>
+              </a:rPr>
+              <a:t>”</a:t>
+            </a:r>
+            <a:r>
+              <a:rPr lang="ru-RU" sz="2400" dirty="0">
+                <a:latin typeface="Calibri" panose="020F0502020204030204" pitchFamily="34" charset="0"/>
+                <a:cs typeface="Calibri" panose="020F0502020204030204" pitchFamily="34" charset="0"/>
+              </a:rPr>
+              <a:t> товары удаляются из </a:t>
+            </a:r>
+            <a:r>
+              <a:rPr lang="ru-RU" sz="2400" dirty="0" err="1">
+                <a:latin typeface="Calibri" panose="020F0502020204030204" pitchFamily="34" charset="0"/>
+                <a:cs typeface="Calibri" panose="020F0502020204030204" pitchFamily="34" charset="0"/>
+              </a:rPr>
+              <a:t>бд</a:t>
+            </a:r>
+            <a:endParaRPr lang="en-US" sz="2400" dirty="0">
+              <a:latin typeface="Calibri" panose="020F0502020204030204" pitchFamily="34" charset="0"/>
+              <a:cs typeface="Calibri" panose="020F0502020204030204" pitchFamily="34" charset="0"/>
+            </a:endParaRPr>
+          </a:p>
+          <a:p>
+            <a:r>
+              <a:rPr lang="en-US" sz="2400" dirty="0">
+                <a:latin typeface="Calibri" panose="020F0502020204030204" pitchFamily="34" charset="0"/>
+                <a:cs typeface="Calibri" panose="020F0502020204030204" pitchFamily="34" charset="0"/>
+              </a:rPr>
+              <a:t>advertisement – </a:t>
+            </a:r>
+            <a:r>
+              <a:rPr lang="ru-RU" sz="2400" dirty="0">
+                <a:latin typeface="Calibri" panose="020F0502020204030204" pitchFamily="34" charset="0"/>
+                <a:cs typeface="Calibri" panose="020F0502020204030204" pitchFamily="34" charset="0"/>
+              </a:rPr>
+              <a:t>контент главной страницы</a:t>
+            </a:r>
+            <a:r>
+              <a:rPr lang="en-US" sz="2400" dirty="0">
+                <a:latin typeface="Calibri" panose="020F0502020204030204" pitchFamily="34" charset="0"/>
+                <a:cs typeface="Calibri" panose="020F0502020204030204" pitchFamily="34" charset="0"/>
+              </a:rPr>
+              <a:t>: </a:t>
+            </a:r>
+            <a:r>
+              <a:rPr lang="ru-RU" sz="2400" dirty="0">
+                <a:latin typeface="Calibri" panose="020F0502020204030204" pitchFamily="34" charset="0"/>
+                <a:cs typeface="Calibri" panose="020F0502020204030204" pitchFamily="34" charset="0"/>
+              </a:rPr>
+              <a:t>заголовок и реклама </a:t>
+            </a:r>
+            <a:endParaRPr lang="en-US" sz="2400" dirty="0">
+              <a:latin typeface="Calibri" panose="020F0502020204030204" pitchFamily="34" charset="0"/>
+              <a:cs typeface="Calibri" panose="020F0502020204030204" pitchFamily="34" charset="0"/>
+            </a:endParaRPr>
+          </a:p>
+        </p:txBody>
+      </p:sp>
     </p:spTree>
     <p:extLst>
       <p:ext uri="{BB962C8B-B14F-4D97-AF65-F5344CB8AC3E}">
-        <p14:creationId xmlns:p14="http://schemas.microsoft.com/office/powerpoint/2010/main" val="1128225740"/>
+        <p14:creationId xmlns:p14="http://schemas.microsoft.com/office/powerpoint/2010/main" val="2499457006"/>
       </p:ext>
     </p:extLst>
   </p:cSld>
@@ -7268,7 +8458,7 @@
           <p:cNvPr id="2" name="Заголовок 1">
             <a:extLst>
               <a:ext uri="{FF2B5EF4-FFF2-40B4-BE49-F238E27FC236}">
-                <a16:creationId xmlns:a16="http://schemas.microsoft.com/office/drawing/2014/main" id="{A8D487D4-C4C1-A3BA-8B58-F9EC7F898CE1}"/>
+                <a16:creationId xmlns:a16="http://schemas.microsoft.com/office/drawing/2014/main" id="{C0076045-3740-0E89-3D3A-FBA245E7AADD}"/>
               </a:ext>
             </a:extLst>
           </p:cNvPr>
@@ -7297,19 +8487,18 @@
               <a:t>Таблица </a:t>
             </a:r>
             <a:r>
-              <a:rPr lang="en-US" dirty="0" err="1"/>
-              <a:t>user_purchases</a:t>
-            </a:r>
-            <a:endParaRPr lang="en-US" dirty="0"/>
+              <a:rPr lang="en-US" dirty="0"/>
+              <a:t>users</a:t>
+            </a:r>
           </a:p>
         </p:txBody>
       </p:sp>
       <p:pic>
         <p:nvPicPr>
-          <p:cNvPr id="7" name="Объект 6">
+          <p:cNvPr id="5" name="Объект 4">
             <a:extLst>
               <a:ext uri="{FF2B5EF4-FFF2-40B4-BE49-F238E27FC236}">
-                <a16:creationId xmlns:a16="http://schemas.microsoft.com/office/drawing/2014/main" id="{8C475672-A26D-81A3-7ED4-4F8179DDC952}"/>
+                <a16:creationId xmlns:a16="http://schemas.microsoft.com/office/drawing/2014/main" id="{EDAD654E-C8D6-D6AD-0BF2-8FEF371BC242}"/>
               </a:ext>
             </a:extLst>
           </p:cNvPr>
@@ -7328,15 +8517,15 @@
         </p:blipFill>
         <p:spPr>
           <a:xfrm>
-            <a:off x="677334" y="2342509"/>
-            <a:ext cx="6025470" cy="3905891"/>
+            <a:off x="677863" y="2310408"/>
+            <a:ext cx="8596312" cy="3581796"/>
           </a:xfrm>
         </p:spPr>
       </p:pic>
     </p:spTree>
     <p:extLst>
       <p:ext uri="{BB962C8B-B14F-4D97-AF65-F5344CB8AC3E}">
-        <p14:creationId xmlns:p14="http://schemas.microsoft.com/office/powerpoint/2010/main" val="2975821808"/>
+        <p14:creationId xmlns:p14="http://schemas.microsoft.com/office/powerpoint/2010/main" val="1444498219"/>
       </p:ext>
     </p:extLst>
   </p:cSld>
